--- a/slides/Template.pptx
+++ b/slides/Template.pptx
@@ -9,9 +9,9 @@
   </p:notesMasterIdLst>
   <p:sldIdLst>
     <p:sldId id="256" r:id="rId2"/>
-    <p:sldId id="259" r:id="rId3"/>
+    <p:sldId id="257" r:id="rId3"/>
   </p:sldIdLst>
-  <p:sldSz cx="9144000" cy="6858000" type="screen4x3"/>
+  <p:sldSz cx="12192000" cy="6858000"/>
   <p:notesSz cx="6858000" cy="9144000"/>
   <p:defaultTextStyle>
     <a:defPPr>
@@ -111,12 +111,12 @@
   <p:extLst>
     <p:ext uri="{EFAFB233-063F-42B5-8137-9DF3F51BA10A}">
       <p15:sldGuideLst xmlns:p15="http://schemas.microsoft.com/office/powerpoint/2012/main">
-        <p15:guide id="1" orient="horz" pos="2160">
+        <p15:guide id="1" orient="horz" pos="2160" userDrawn="1">
           <p15:clr>
             <a:srgbClr val="A4A3A4"/>
           </p15:clr>
         </p15:guide>
-        <p15:guide id="2" pos="2880">
+        <p15:guide id="2" pos="3840" userDrawn="1">
           <p15:clr>
             <a:srgbClr val="A4A3A4"/>
           </p15:clr>
@@ -125,6 +125,989 @@
     </p:ext>
   </p:extLst>
 </p:presentation>
+</file>
+
+<file path=ppt/revisionInfo.xml><?xml version="1.0" encoding="utf-8"?>
+<p1510:revInfo xmlns:a="http://schemas.openxmlformats.org/drawingml/2006/main" xmlns:r="http://schemas.openxmlformats.org/officeDocument/2006/relationships" xmlns:p1510="http://schemas.microsoft.com/office/powerpoint/2015/10/main">
+  <p1510:revLst>
+    <p1510:client id="{68B8C37D-D1A3-4930-886D-935F27EC255B}" v="13" dt="2021-12-31T16:30:49.273"/>
+  </p1510:revLst>
+</p1510:revInfo>
+</file>
+
+<file path=ppt/changesInfos/changesInfo1.xml><?xml version="1.0" encoding="utf-8"?>
+<pc:chgInfo xmlns:a="http://schemas.openxmlformats.org/drawingml/2006/main" xmlns:r="http://schemas.openxmlformats.org/officeDocument/2006/relationships" xmlns:ac="http://schemas.microsoft.com/office/drawing/2013/main/command" xmlns:pc="http://schemas.microsoft.com/office/powerpoint/2013/main/command">
+  <pc:docChgLst>
+    <pc:chgData name="KEVIN MALAGOLI" userId="4753276f-5182-4cb6-86cf-6602de7c63db" providerId="ADAL" clId="{68B8C37D-D1A3-4930-886D-935F27EC255B}"/>
+    <pc:docChg chg="undo custSel addSld delSld modSld sldOrd modMainMaster modNotesMaster">
+      <pc:chgData name="KEVIN MALAGOLI" userId="4753276f-5182-4cb6-86cf-6602de7c63db" providerId="ADAL" clId="{68B8C37D-D1A3-4930-886D-935F27EC255B}" dt="2021-12-31T16:30:56.978" v="4371" actId="6549"/>
+      <pc:docMkLst>
+        <pc:docMk/>
+      </pc:docMkLst>
+      <pc:sldChg chg="modSp mod">
+        <pc:chgData name="KEVIN MALAGOLI" userId="4753276f-5182-4cb6-86cf-6602de7c63db" providerId="ADAL" clId="{68B8C37D-D1A3-4930-886D-935F27EC255B}" dt="2021-12-31T16:30:56.978" v="4371" actId="6549"/>
+        <pc:sldMkLst>
+          <pc:docMk/>
+          <pc:sldMk cId="0" sldId="256"/>
+        </pc:sldMkLst>
+        <pc:spChg chg="mod">
+          <ac:chgData name="KEVIN MALAGOLI" userId="4753276f-5182-4cb6-86cf-6602de7c63db" providerId="ADAL" clId="{68B8C37D-D1A3-4930-886D-935F27EC255B}" dt="2021-12-31T16:30:56.978" v="4371" actId="6549"/>
+          <ac:spMkLst>
+            <pc:docMk/>
+            <pc:sldMk cId="0" sldId="256"/>
+            <ac:spMk id="2" creationId="{00000000-0000-0000-0000-000000000000}"/>
+          </ac:spMkLst>
+        </pc:spChg>
+        <pc:spChg chg="mod">
+          <ac:chgData name="KEVIN MALAGOLI" userId="4753276f-5182-4cb6-86cf-6602de7c63db" providerId="ADAL" clId="{68B8C37D-D1A3-4930-886D-935F27EC255B}" dt="2021-12-31T16:30:49.273" v="4370"/>
+          <ac:spMkLst>
+            <pc:docMk/>
+            <pc:sldMk cId="0" sldId="256"/>
+            <ac:spMk id="4" creationId="{00000000-0000-0000-0000-000000000000}"/>
+          </ac:spMkLst>
+        </pc:spChg>
+      </pc:sldChg>
+      <pc:sldChg chg="new">
+        <pc:chgData name="KEVIN MALAGOLI" userId="4753276f-5182-4cb6-86cf-6602de7c63db" providerId="ADAL" clId="{68B8C37D-D1A3-4930-886D-935F27EC255B}" dt="2021-12-31T16:30:42.919" v="4369" actId="680"/>
+        <pc:sldMkLst>
+          <pc:docMk/>
+          <pc:sldMk cId="1424892336" sldId="257"/>
+        </pc:sldMkLst>
+      </pc:sldChg>
+      <pc:sldChg chg="del">
+        <pc:chgData name="KEVIN MALAGOLI" userId="4753276f-5182-4cb6-86cf-6602de7c63db" providerId="ADAL" clId="{68B8C37D-D1A3-4930-886D-935F27EC255B}" dt="2021-12-30T08:49:18.415" v="37" actId="47"/>
+        <pc:sldMkLst>
+          <pc:docMk/>
+          <pc:sldMk cId="273194312" sldId="259"/>
+        </pc:sldMkLst>
+      </pc:sldChg>
+      <pc:sldChg chg="modSp add del mod">
+        <pc:chgData name="KEVIN MALAGOLI" userId="4753276f-5182-4cb6-86cf-6602de7c63db" providerId="ADAL" clId="{68B8C37D-D1A3-4930-886D-935F27EC255B}" dt="2021-12-31T16:30:37.611" v="4368" actId="47"/>
+        <pc:sldMkLst>
+          <pc:docMk/>
+          <pc:sldMk cId="3950953024" sldId="284"/>
+        </pc:sldMkLst>
+        <pc:spChg chg="mod">
+          <ac:chgData name="KEVIN MALAGOLI" userId="4753276f-5182-4cb6-86cf-6602de7c63db" providerId="ADAL" clId="{68B8C37D-D1A3-4930-886D-935F27EC255B}" dt="2021-12-30T12:42:26.610" v="3288" actId="27636"/>
+          <ac:spMkLst>
+            <pc:docMk/>
+            <pc:sldMk cId="3950953024" sldId="284"/>
+            <ac:spMk id="3" creationId="{54615597-B9A8-43E8-93D8-A9ABC92A93E6}"/>
+          </ac:spMkLst>
+        </pc:spChg>
+        <pc:picChg chg="mod">
+          <ac:chgData name="KEVIN MALAGOLI" userId="4753276f-5182-4cb6-86cf-6602de7c63db" providerId="ADAL" clId="{68B8C37D-D1A3-4930-886D-935F27EC255B}" dt="2021-12-30T12:05:33.190" v="2251" actId="1076"/>
+          <ac:picMkLst>
+            <pc:docMk/>
+            <pc:sldMk cId="3950953024" sldId="284"/>
+            <ac:picMk id="7" creationId="{D744BDEB-9DED-4ED9-8941-6AA11FFFDBDB}"/>
+          </ac:picMkLst>
+        </pc:picChg>
+      </pc:sldChg>
+      <pc:sldChg chg="add del">
+        <pc:chgData name="KEVIN MALAGOLI" userId="4753276f-5182-4cb6-86cf-6602de7c63db" providerId="ADAL" clId="{68B8C37D-D1A3-4930-886D-935F27EC255B}" dt="2021-12-31T16:30:36.296" v="4360" actId="47"/>
+        <pc:sldMkLst>
+          <pc:docMk/>
+          <pc:sldMk cId="3296807878" sldId="288"/>
+        </pc:sldMkLst>
+      </pc:sldChg>
+      <pc:sldChg chg="modSp add del mod">
+        <pc:chgData name="KEVIN MALAGOLI" userId="4753276f-5182-4cb6-86cf-6602de7c63db" providerId="ADAL" clId="{68B8C37D-D1A3-4930-886D-935F27EC255B}" dt="2021-12-31T16:30:36.618" v="4362" actId="47"/>
+        <pc:sldMkLst>
+          <pc:docMk/>
+          <pc:sldMk cId="2744139181" sldId="290"/>
+        </pc:sldMkLst>
+        <pc:spChg chg="mod">
+          <ac:chgData name="KEVIN MALAGOLI" userId="4753276f-5182-4cb6-86cf-6602de7c63db" providerId="ADAL" clId="{68B8C37D-D1A3-4930-886D-935F27EC255B}" dt="2021-12-30T12:48:19.917" v="3306" actId="20577"/>
+          <ac:spMkLst>
+            <pc:docMk/>
+            <pc:sldMk cId="2744139181" sldId="290"/>
+            <ac:spMk id="4" creationId="{2074FF76-FC88-4C1D-9CAB-82F7B382EFE9}"/>
+          </ac:spMkLst>
+        </pc:spChg>
+      </pc:sldChg>
+      <pc:sldChg chg="modSp add del mod">
+        <pc:chgData name="KEVIN MALAGOLI" userId="4753276f-5182-4cb6-86cf-6602de7c63db" providerId="ADAL" clId="{68B8C37D-D1A3-4930-886D-935F27EC255B}" dt="2021-12-31T16:30:34.275" v="4354" actId="47"/>
+        <pc:sldMkLst>
+          <pc:docMk/>
+          <pc:sldMk cId="2888260347" sldId="292"/>
+        </pc:sldMkLst>
+        <pc:spChg chg="mod">
+          <ac:chgData name="KEVIN MALAGOLI" userId="4753276f-5182-4cb6-86cf-6602de7c63db" providerId="ADAL" clId="{68B8C37D-D1A3-4930-886D-935F27EC255B}" dt="2021-12-30T12:33:04.525" v="2863" actId="20577"/>
+          <ac:spMkLst>
+            <pc:docMk/>
+            <pc:sldMk cId="2888260347" sldId="292"/>
+            <ac:spMk id="2" creationId="{00000000-0000-0000-0000-000000000000}"/>
+          </ac:spMkLst>
+        </pc:spChg>
+        <pc:spChg chg="mod">
+          <ac:chgData name="KEVIN MALAGOLI" userId="4753276f-5182-4cb6-86cf-6602de7c63db" providerId="ADAL" clId="{68B8C37D-D1A3-4930-886D-935F27EC255B}" dt="2021-12-30T12:33:18.136" v="2865" actId="14100"/>
+          <ac:spMkLst>
+            <pc:docMk/>
+            <pc:sldMk cId="2888260347" sldId="292"/>
+            <ac:spMk id="23" creationId="{72A8ADEE-1F63-4546-A87D-468EA099EA9D}"/>
+          </ac:spMkLst>
+        </pc:spChg>
+      </pc:sldChg>
+      <pc:sldChg chg="add del">
+        <pc:chgData name="KEVIN MALAGOLI" userId="4753276f-5182-4cb6-86cf-6602de7c63db" providerId="ADAL" clId="{68B8C37D-D1A3-4930-886D-935F27EC255B}" dt="2021-12-30T08:49:42.732" v="38" actId="47"/>
+        <pc:sldMkLst>
+          <pc:docMk/>
+          <pc:sldMk cId="2672866642" sldId="332"/>
+        </pc:sldMkLst>
+      </pc:sldChg>
+      <pc:sldChg chg="modSp add del mod ord">
+        <pc:chgData name="KEVIN MALAGOLI" userId="4753276f-5182-4cb6-86cf-6602de7c63db" providerId="ADAL" clId="{68B8C37D-D1A3-4930-886D-935F27EC255B}" dt="2021-12-31T16:30:37.275" v="4366" actId="47"/>
+        <pc:sldMkLst>
+          <pc:docMk/>
+          <pc:sldMk cId="2315875726" sldId="333"/>
+        </pc:sldMkLst>
+        <pc:spChg chg="mod">
+          <ac:chgData name="KEVIN MALAGOLI" userId="4753276f-5182-4cb6-86cf-6602de7c63db" providerId="ADAL" clId="{68B8C37D-D1A3-4930-886D-935F27EC255B}" dt="2021-12-30T09:01:19.904" v="215" actId="20577"/>
+          <ac:spMkLst>
+            <pc:docMk/>
+            <pc:sldMk cId="2315875726" sldId="333"/>
+            <ac:spMk id="3" creationId="{94607521-338D-4F18-ABD4-9ABA0D62D486}"/>
+          </ac:spMkLst>
+        </pc:spChg>
+        <pc:spChg chg="mod">
+          <ac:chgData name="KEVIN MALAGOLI" userId="4753276f-5182-4cb6-86cf-6602de7c63db" providerId="ADAL" clId="{68B8C37D-D1A3-4930-886D-935F27EC255B}" dt="2021-12-30T08:59:22.278" v="50" actId="403"/>
+          <ac:spMkLst>
+            <pc:docMk/>
+            <pc:sldMk cId="2315875726" sldId="333"/>
+            <ac:spMk id="6" creationId="{CD14FB68-F899-4B45-A1B4-2CD2DE875F62}"/>
+          </ac:spMkLst>
+        </pc:spChg>
+      </pc:sldChg>
+      <pc:sldChg chg="addSp modSp add del mod modClrScheme chgLayout">
+        <pc:chgData name="KEVIN MALAGOLI" userId="4753276f-5182-4cb6-86cf-6602de7c63db" providerId="ADAL" clId="{68B8C37D-D1A3-4930-886D-935F27EC255B}" dt="2021-12-31T16:30:36.798" v="4363" actId="47"/>
+        <pc:sldMkLst>
+          <pc:docMk/>
+          <pc:sldMk cId="745882905" sldId="337"/>
+        </pc:sldMkLst>
+        <pc:spChg chg="mod ord">
+          <ac:chgData name="KEVIN MALAGOLI" userId="4753276f-5182-4cb6-86cf-6602de7c63db" providerId="ADAL" clId="{68B8C37D-D1A3-4930-886D-935F27EC255B}" dt="2021-12-30T12:49:35.547" v="3326" actId="700"/>
+          <ac:spMkLst>
+            <pc:docMk/>
+            <pc:sldMk cId="745882905" sldId="337"/>
+            <ac:spMk id="2" creationId="{3EA850C2-44C5-4A38-A4A1-9A5CF223F6F3}"/>
+          </ac:spMkLst>
+        </pc:spChg>
+        <pc:spChg chg="mod ord">
+          <ac:chgData name="KEVIN MALAGOLI" userId="4753276f-5182-4cb6-86cf-6602de7c63db" providerId="ADAL" clId="{68B8C37D-D1A3-4930-886D-935F27EC255B}" dt="2021-12-30T13:02:52.699" v="4010"/>
+          <ac:spMkLst>
+            <pc:docMk/>
+            <pc:sldMk cId="745882905" sldId="337"/>
+            <ac:spMk id="3" creationId="{ACCD270E-4BA1-4246-A145-8CA68E0BF5A8}"/>
+          </ac:spMkLst>
+        </pc:spChg>
+        <pc:spChg chg="add mod ord">
+          <ac:chgData name="KEVIN MALAGOLI" userId="4753276f-5182-4cb6-86cf-6602de7c63db" providerId="ADAL" clId="{68B8C37D-D1A3-4930-886D-935F27EC255B}" dt="2021-12-30T13:02:50.479" v="4008" actId="27636"/>
+          <ac:spMkLst>
+            <pc:docMk/>
+            <pc:sldMk cId="745882905" sldId="337"/>
+            <ac:spMk id="4" creationId="{EA1342E2-B1FC-4182-8A6F-A56669106C05}"/>
+          </ac:spMkLst>
+        </pc:spChg>
+        <pc:spChg chg="mod ord">
+          <ac:chgData name="KEVIN MALAGOLI" userId="4753276f-5182-4cb6-86cf-6602de7c63db" providerId="ADAL" clId="{68B8C37D-D1A3-4930-886D-935F27EC255B}" dt="2021-12-30T12:49:35.547" v="3326" actId="700"/>
+          <ac:spMkLst>
+            <pc:docMk/>
+            <pc:sldMk cId="745882905" sldId="337"/>
+            <ac:spMk id="5" creationId="{77A76C53-2F31-46F0-8C88-014CA9FCEDD0}"/>
+          </ac:spMkLst>
+        </pc:spChg>
+      </pc:sldChg>
+      <pc:sldChg chg="modSp add del mod">
+        <pc:chgData name="KEVIN MALAGOLI" userId="4753276f-5182-4cb6-86cf-6602de7c63db" providerId="ADAL" clId="{68B8C37D-D1A3-4930-886D-935F27EC255B}" dt="2021-12-31T16:30:36.454" v="4361" actId="47"/>
+        <pc:sldMkLst>
+          <pc:docMk/>
+          <pc:sldMk cId="4253641218" sldId="338"/>
+        </pc:sldMkLst>
+        <pc:spChg chg="mod">
+          <ac:chgData name="KEVIN MALAGOLI" userId="4753276f-5182-4cb6-86cf-6602de7c63db" providerId="ADAL" clId="{68B8C37D-D1A3-4930-886D-935F27EC255B}" dt="2021-12-30T08:49:10.977" v="33" actId="27636"/>
+          <ac:spMkLst>
+            <pc:docMk/>
+            <pc:sldMk cId="4253641218" sldId="338"/>
+            <ac:spMk id="3" creationId="{31FABF0B-095A-42CA-B075-66474CFB8192}"/>
+          </ac:spMkLst>
+        </pc:spChg>
+      </pc:sldChg>
+      <pc:sldChg chg="addSp delSp modSp add del mod">
+        <pc:chgData name="KEVIN MALAGOLI" userId="4753276f-5182-4cb6-86cf-6602de7c63db" providerId="ADAL" clId="{68B8C37D-D1A3-4930-886D-935F27EC255B}" dt="2021-12-31T16:30:35.799" v="4357" actId="47"/>
+        <pc:sldMkLst>
+          <pc:docMk/>
+          <pc:sldMk cId="2916038947" sldId="339"/>
+        </pc:sldMkLst>
+        <pc:spChg chg="mod">
+          <ac:chgData name="KEVIN MALAGOLI" userId="4753276f-5182-4cb6-86cf-6602de7c63db" providerId="ADAL" clId="{68B8C37D-D1A3-4930-886D-935F27EC255B}" dt="2021-12-30T13:00:06.985" v="3870" actId="20577"/>
+          <ac:spMkLst>
+            <pc:docMk/>
+            <pc:sldMk cId="2916038947" sldId="339"/>
+            <ac:spMk id="5" creationId="{899C9079-D54A-492F-A2D2-E291222793FE}"/>
+          </ac:spMkLst>
+        </pc:spChg>
+        <pc:spChg chg="mod">
+          <ac:chgData name="KEVIN MALAGOLI" userId="4753276f-5182-4cb6-86cf-6602de7c63db" providerId="ADAL" clId="{68B8C37D-D1A3-4930-886D-935F27EC255B}" dt="2021-12-30T13:10:03.510" v="4353" actId="20577"/>
+          <ac:spMkLst>
+            <pc:docMk/>
+            <pc:sldMk cId="2916038947" sldId="339"/>
+            <ac:spMk id="6" creationId="{DC369552-5F5D-47C5-B45F-C6B77C8C84BC}"/>
+          </ac:spMkLst>
+        </pc:spChg>
+        <pc:spChg chg="del mod">
+          <ac:chgData name="KEVIN MALAGOLI" userId="4753276f-5182-4cb6-86cf-6602de7c63db" providerId="ADAL" clId="{68B8C37D-D1A3-4930-886D-935F27EC255B}" dt="2021-12-30T13:07:30.878" v="4218"/>
+          <ac:spMkLst>
+            <pc:docMk/>
+            <pc:sldMk cId="2916038947" sldId="339"/>
+            <ac:spMk id="7" creationId="{16C2F3C3-8158-4B9D-ABCA-2762AF7EBCFB}"/>
+          </ac:spMkLst>
+        </pc:spChg>
+        <pc:spChg chg="del">
+          <ac:chgData name="KEVIN MALAGOLI" userId="4753276f-5182-4cb6-86cf-6602de7c63db" providerId="ADAL" clId="{68B8C37D-D1A3-4930-886D-935F27EC255B}" dt="2021-12-30T12:55:10.934" v="3675" actId="21"/>
+          <ac:spMkLst>
+            <pc:docMk/>
+            <pc:sldMk cId="2916038947" sldId="339"/>
+            <ac:spMk id="8" creationId="{8B87EDF0-1F65-4B2E-BA0A-E27FA654D59C}"/>
+          </ac:spMkLst>
+        </pc:spChg>
+        <pc:spChg chg="del mod">
+          <ac:chgData name="KEVIN MALAGOLI" userId="4753276f-5182-4cb6-86cf-6602de7c63db" providerId="ADAL" clId="{68B8C37D-D1A3-4930-886D-935F27EC255B}" dt="2021-12-30T12:52:37.930" v="3464" actId="21"/>
+          <ac:spMkLst>
+            <pc:docMk/>
+            <pc:sldMk cId="2916038947" sldId="339"/>
+            <ac:spMk id="9" creationId="{ECD38B64-05C4-4295-B29E-994B94D6D32A}"/>
+          </ac:spMkLst>
+        </pc:spChg>
+        <pc:spChg chg="add mod">
+          <ac:chgData name="KEVIN MALAGOLI" userId="4753276f-5182-4cb6-86cf-6602de7c63db" providerId="ADAL" clId="{68B8C37D-D1A3-4930-886D-935F27EC255B}" dt="2021-12-30T13:09:35.433" v="4309" actId="403"/>
+          <ac:spMkLst>
+            <pc:docMk/>
+            <pc:sldMk cId="2916038947" sldId="339"/>
+            <ac:spMk id="10" creationId="{EEB0C35C-C8DA-415D-860D-AA284493E57D}"/>
+          </ac:spMkLst>
+        </pc:spChg>
+      </pc:sldChg>
+      <pc:sldChg chg="modSp add del mod">
+        <pc:chgData name="KEVIN MALAGOLI" userId="4753276f-5182-4cb6-86cf-6602de7c63db" providerId="ADAL" clId="{68B8C37D-D1A3-4930-886D-935F27EC255B}" dt="2021-12-31T16:30:35.492" v="4356" actId="47"/>
+        <pc:sldMkLst>
+          <pc:docMk/>
+          <pc:sldMk cId="2358694188" sldId="340"/>
+        </pc:sldMkLst>
+        <pc:spChg chg="mod">
+          <ac:chgData name="KEVIN MALAGOLI" userId="4753276f-5182-4cb6-86cf-6602de7c63db" providerId="ADAL" clId="{68B8C37D-D1A3-4930-886D-935F27EC255B}" dt="2021-12-30T08:49:10.980" v="34" actId="27636"/>
+          <ac:spMkLst>
+            <pc:docMk/>
+            <pc:sldMk cId="2358694188" sldId="340"/>
+            <ac:spMk id="6" creationId="{4AE10D36-17BE-47FC-80FA-156C6CEB62E6}"/>
+          </ac:spMkLst>
+        </pc:spChg>
+      </pc:sldChg>
+      <pc:sldChg chg="modSp add del mod ord">
+        <pc:chgData name="KEVIN MALAGOLI" userId="4753276f-5182-4cb6-86cf-6602de7c63db" providerId="ADAL" clId="{68B8C37D-D1A3-4930-886D-935F27EC255B}" dt="2021-12-31T16:30:37.449" v="4367" actId="47"/>
+        <pc:sldMkLst>
+          <pc:docMk/>
+          <pc:sldMk cId="1206520168" sldId="341"/>
+        </pc:sldMkLst>
+        <pc:spChg chg="mod">
+          <ac:chgData name="KEVIN MALAGOLI" userId="4753276f-5182-4cb6-86cf-6602de7c63db" providerId="ADAL" clId="{68B8C37D-D1A3-4930-886D-935F27EC255B}" dt="2021-12-30T12:03:03.420" v="2226" actId="27636"/>
+          <ac:spMkLst>
+            <pc:docMk/>
+            <pc:sldMk cId="1206520168" sldId="341"/>
+            <ac:spMk id="3" creationId="{E0007E1C-82FD-4E39-9B28-BA606C4ABEA3}"/>
+          </ac:spMkLst>
+        </pc:spChg>
+      </pc:sldChg>
+      <pc:sldChg chg="addSp delSp modSp new del mod ord modClrScheme chgLayout">
+        <pc:chgData name="KEVIN MALAGOLI" userId="4753276f-5182-4cb6-86cf-6602de7c63db" providerId="ADAL" clId="{68B8C37D-D1A3-4930-886D-935F27EC255B}" dt="2021-12-31T16:30:37.134" v="4365" actId="47"/>
+        <pc:sldMkLst>
+          <pc:docMk/>
+          <pc:sldMk cId="1120670694" sldId="342"/>
+        </pc:sldMkLst>
+        <pc:spChg chg="mod ord">
+          <ac:chgData name="KEVIN MALAGOLI" userId="4753276f-5182-4cb6-86cf-6602de7c63db" providerId="ADAL" clId="{68B8C37D-D1A3-4930-886D-935F27EC255B}" dt="2021-12-30T11:14:14.194" v="1219" actId="700"/>
+          <ac:spMkLst>
+            <pc:docMk/>
+            <pc:sldMk cId="1120670694" sldId="342"/>
+            <ac:spMk id="2" creationId="{F0B44693-C47B-4AD6-8AAB-914BFED301B3}"/>
+          </ac:spMkLst>
+        </pc:spChg>
+        <pc:spChg chg="mod ord">
+          <ac:chgData name="KEVIN MALAGOLI" userId="4753276f-5182-4cb6-86cf-6602de7c63db" providerId="ADAL" clId="{68B8C37D-D1A3-4930-886D-935F27EC255B}" dt="2021-12-30T11:34:56.417" v="1538" actId="27636"/>
+          <ac:spMkLst>
+            <pc:docMk/>
+            <pc:sldMk cId="1120670694" sldId="342"/>
+            <ac:spMk id="3" creationId="{6E3BAFB2-712A-4779-B8CD-107A3EF650D5}"/>
+          </ac:spMkLst>
+        </pc:spChg>
+        <pc:spChg chg="del">
+          <ac:chgData name="KEVIN MALAGOLI" userId="4753276f-5182-4cb6-86cf-6602de7c63db" providerId="ADAL" clId="{68B8C37D-D1A3-4930-886D-935F27EC255B}" dt="2021-12-30T09:11:05.323" v="470" actId="700"/>
+          <ac:spMkLst>
+            <pc:docMk/>
+            <pc:sldMk cId="1120670694" sldId="342"/>
+            <ac:spMk id="4" creationId="{60E5591C-49AD-424B-AC8E-338A026CAE55}"/>
+          </ac:spMkLst>
+        </pc:spChg>
+        <pc:spChg chg="mod ord">
+          <ac:chgData name="KEVIN MALAGOLI" userId="4753276f-5182-4cb6-86cf-6602de7c63db" providerId="ADAL" clId="{68B8C37D-D1A3-4930-886D-935F27EC255B}" dt="2021-12-30T11:14:14.194" v="1219" actId="700"/>
+          <ac:spMkLst>
+            <pc:docMk/>
+            <pc:sldMk cId="1120670694" sldId="342"/>
+            <ac:spMk id="5" creationId="{15CD035A-6F56-4E70-BDF2-77DF5B017AC7}"/>
+          </ac:spMkLst>
+        </pc:spChg>
+        <pc:spChg chg="add del mod ord">
+          <ac:chgData name="KEVIN MALAGOLI" userId="4753276f-5182-4cb6-86cf-6602de7c63db" providerId="ADAL" clId="{68B8C37D-D1A3-4930-886D-935F27EC255B}" dt="2021-12-30T11:14:14.194" v="1219" actId="700"/>
+          <ac:spMkLst>
+            <pc:docMk/>
+            <pc:sldMk cId="1120670694" sldId="342"/>
+            <ac:spMk id="6" creationId="{4A47C164-C88E-4D13-98B1-1322249DF2B3}"/>
+          </ac:spMkLst>
+        </pc:spChg>
+      </pc:sldChg>
+      <pc:sldChg chg="modSp new del mod ord">
+        <pc:chgData name="KEVIN MALAGOLI" userId="4753276f-5182-4cb6-86cf-6602de7c63db" providerId="ADAL" clId="{68B8C37D-D1A3-4930-886D-935F27EC255B}" dt="2021-12-31T16:30:36.942" v="4364" actId="47"/>
+        <pc:sldMkLst>
+          <pc:docMk/>
+          <pc:sldMk cId="1733988142" sldId="343"/>
+        </pc:sldMkLst>
+        <pc:spChg chg="mod">
+          <ac:chgData name="KEVIN MALAGOLI" userId="4753276f-5182-4cb6-86cf-6602de7c63db" providerId="ADAL" clId="{68B8C37D-D1A3-4930-886D-935F27EC255B}" dt="2021-12-30T11:35:09.859" v="1564" actId="20577"/>
+          <ac:spMkLst>
+            <pc:docMk/>
+            <pc:sldMk cId="1733988142" sldId="343"/>
+            <ac:spMk id="2" creationId="{890ADC5D-4DF4-4A2C-BFD3-A9ECA4DBB44D}"/>
+          </ac:spMkLst>
+        </pc:spChg>
+        <pc:spChg chg="mod">
+          <ac:chgData name="KEVIN MALAGOLI" userId="4753276f-5182-4cb6-86cf-6602de7c63db" providerId="ADAL" clId="{68B8C37D-D1A3-4930-886D-935F27EC255B}" dt="2021-12-30T12:02:00.732" v="2218" actId="403"/>
+          <ac:spMkLst>
+            <pc:docMk/>
+            <pc:sldMk cId="1733988142" sldId="343"/>
+            <ac:spMk id="3" creationId="{0DCCC171-7CA5-4414-AF99-2BDC7DB51AF1}"/>
+          </ac:spMkLst>
+        </pc:spChg>
+      </pc:sldChg>
+      <pc:sldChg chg="modSp new del mod">
+        <pc:chgData name="KEVIN MALAGOLI" userId="4753276f-5182-4cb6-86cf-6602de7c63db" providerId="ADAL" clId="{68B8C37D-D1A3-4930-886D-935F27EC255B}" dt="2021-12-31T16:30:34.862" v="4355" actId="47"/>
+        <pc:sldMkLst>
+          <pc:docMk/>
+          <pc:sldMk cId="2783340154" sldId="344"/>
+        </pc:sldMkLst>
+        <pc:spChg chg="mod">
+          <ac:chgData name="KEVIN MALAGOLI" userId="4753276f-5182-4cb6-86cf-6602de7c63db" providerId="ADAL" clId="{68B8C37D-D1A3-4930-886D-935F27EC255B}" dt="2021-12-30T12:15:36.192" v="2266" actId="20577"/>
+          <ac:spMkLst>
+            <pc:docMk/>
+            <pc:sldMk cId="2783340154" sldId="344"/>
+            <ac:spMk id="2" creationId="{841B4D6B-676F-45FB-A461-F30E4B6348E7}"/>
+          </ac:spMkLst>
+        </pc:spChg>
+        <pc:spChg chg="mod">
+          <ac:chgData name="KEVIN MALAGOLI" userId="4753276f-5182-4cb6-86cf-6602de7c63db" providerId="ADAL" clId="{68B8C37D-D1A3-4930-886D-935F27EC255B}" dt="2021-12-30T12:39:30.024" v="3273" actId="27636"/>
+          <ac:spMkLst>
+            <pc:docMk/>
+            <pc:sldMk cId="2783340154" sldId="344"/>
+            <ac:spMk id="3" creationId="{6A777F52-A754-4AE9-8E8E-D7B1DEECC9C3}"/>
+          </ac:spMkLst>
+        </pc:spChg>
+      </pc:sldChg>
+      <pc:sldChg chg="addSp delSp modSp new del mod modClrScheme chgLayout">
+        <pc:chgData name="KEVIN MALAGOLI" userId="4753276f-5182-4cb6-86cf-6602de7c63db" providerId="ADAL" clId="{68B8C37D-D1A3-4930-886D-935F27EC255B}" dt="2021-12-31T16:30:36.113" v="4359" actId="47"/>
+        <pc:sldMkLst>
+          <pc:docMk/>
+          <pc:sldMk cId="3379279640" sldId="345"/>
+        </pc:sldMkLst>
+        <pc:spChg chg="mod ord">
+          <ac:chgData name="KEVIN MALAGOLI" userId="4753276f-5182-4cb6-86cf-6602de7c63db" providerId="ADAL" clId="{68B8C37D-D1A3-4930-886D-935F27EC255B}" dt="2021-12-30T12:52:29.684" v="3463" actId="700"/>
+          <ac:spMkLst>
+            <pc:docMk/>
+            <pc:sldMk cId="3379279640" sldId="345"/>
+            <ac:spMk id="2" creationId="{3AF73D5C-A8D6-4558-B186-562264364F9E}"/>
+          </ac:spMkLst>
+        </pc:spChg>
+        <pc:spChg chg="del mod ord">
+          <ac:chgData name="KEVIN MALAGOLI" userId="4753276f-5182-4cb6-86cf-6602de7c63db" providerId="ADAL" clId="{68B8C37D-D1A3-4930-886D-935F27EC255B}" dt="2021-12-30T12:52:27.042" v="3462" actId="700"/>
+          <ac:spMkLst>
+            <pc:docMk/>
+            <pc:sldMk cId="3379279640" sldId="345"/>
+            <ac:spMk id="3" creationId="{AB7DB5E1-8EF4-40AB-8D8F-13D9CAC7425B}"/>
+          </ac:spMkLst>
+        </pc:spChg>
+        <pc:spChg chg="mod ord">
+          <ac:chgData name="KEVIN MALAGOLI" userId="4753276f-5182-4cb6-86cf-6602de7c63db" providerId="ADAL" clId="{68B8C37D-D1A3-4930-886D-935F27EC255B}" dt="2021-12-30T12:52:29.684" v="3463" actId="700"/>
+          <ac:spMkLst>
+            <pc:docMk/>
+            <pc:sldMk cId="3379279640" sldId="345"/>
+            <ac:spMk id="4" creationId="{58ECD929-00FF-47B4-8A59-E6AE984C621A}"/>
+          </ac:spMkLst>
+        </pc:spChg>
+        <pc:spChg chg="add del mod ord">
+          <ac:chgData name="KEVIN MALAGOLI" userId="4753276f-5182-4cb6-86cf-6602de7c63db" providerId="ADAL" clId="{68B8C37D-D1A3-4930-886D-935F27EC255B}" dt="2021-12-30T12:52:29.684" v="3463" actId="700"/>
+          <ac:spMkLst>
+            <pc:docMk/>
+            <pc:sldMk cId="3379279640" sldId="345"/>
+            <ac:spMk id="5" creationId="{3F71D812-175E-4C06-A7DA-A253E7520FD6}"/>
+          </ac:spMkLst>
+        </pc:spChg>
+        <pc:spChg chg="add del mod ord">
+          <ac:chgData name="KEVIN MALAGOLI" userId="4753276f-5182-4cb6-86cf-6602de7c63db" providerId="ADAL" clId="{68B8C37D-D1A3-4930-886D-935F27EC255B}" dt="2021-12-30T12:52:29.684" v="3463" actId="700"/>
+          <ac:spMkLst>
+            <pc:docMk/>
+            <pc:sldMk cId="3379279640" sldId="345"/>
+            <ac:spMk id="6" creationId="{477C961A-3938-48F1-995B-8C5E572E32E5}"/>
+          </ac:spMkLst>
+        </pc:spChg>
+        <pc:spChg chg="add del mod ord">
+          <ac:chgData name="KEVIN MALAGOLI" userId="4753276f-5182-4cb6-86cf-6602de7c63db" providerId="ADAL" clId="{68B8C37D-D1A3-4930-886D-935F27EC255B}" dt="2021-12-30T12:52:29.684" v="3463" actId="700"/>
+          <ac:spMkLst>
+            <pc:docMk/>
+            <pc:sldMk cId="3379279640" sldId="345"/>
+            <ac:spMk id="7" creationId="{0EECB53A-D54C-4391-A10B-78DA8E39A98D}"/>
+          </ac:spMkLst>
+        </pc:spChg>
+        <pc:spChg chg="add del mod ord">
+          <ac:chgData name="KEVIN MALAGOLI" userId="4753276f-5182-4cb6-86cf-6602de7c63db" providerId="ADAL" clId="{68B8C37D-D1A3-4930-886D-935F27EC255B}" dt="2021-12-30T12:52:29.684" v="3463" actId="700"/>
+          <ac:spMkLst>
+            <pc:docMk/>
+            <pc:sldMk cId="3379279640" sldId="345"/>
+            <ac:spMk id="8" creationId="{519E7C47-61E1-4640-BD25-2FADDCED866C}"/>
+          </ac:spMkLst>
+        </pc:spChg>
+        <pc:spChg chg="add mod ord">
+          <ac:chgData name="KEVIN MALAGOLI" userId="4753276f-5182-4cb6-86cf-6602de7c63db" providerId="ADAL" clId="{68B8C37D-D1A3-4930-886D-935F27EC255B}" dt="2021-12-30T12:54:48.345" v="3657" actId="20577"/>
+          <ac:spMkLst>
+            <pc:docMk/>
+            <pc:sldMk cId="3379279640" sldId="345"/>
+            <ac:spMk id="9" creationId="{6996A7ED-1DFD-40BC-ADE5-F9C5B75682F7}"/>
+          </ac:spMkLst>
+        </pc:spChg>
+        <pc:spChg chg="add del mod ord">
+          <ac:chgData name="KEVIN MALAGOLI" userId="4753276f-5182-4cb6-86cf-6602de7c63db" providerId="ADAL" clId="{68B8C37D-D1A3-4930-886D-935F27EC255B}" dt="2021-12-30T12:52:40.453" v="3465"/>
+          <ac:spMkLst>
+            <pc:docMk/>
+            <pc:sldMk cId="3379279640" sldId="345"/>
+            <ac:spMk id="10" creationId="{4B62DFD2-2EB1-4E20-948F-AFD4764B7C25}"/>
+          </ac:spMkLst>
+        </pc:spChg>
+        <pc:spChg chg="add mod">
+          <ac:chgData name="KEVIN MALAGOLI" userId="4753276f-5182-4cb6-86cf-6602de7c63db" providerId="ADAL" clId="{68B8C37D-D1A3-4930-886D-935F27EC255B}" dt="2021-12-30T12:53:32.490" v="3496" actId="20577"/>
+          <ac:spMkLst>
+            <pc:docMk/>
+            <pc:sldMk cId="3379279640" sldId="345"/>
+            <ac:spMk id="11" creationId="{9C2AA6CA-FF3E-4F79-A022-C96F72D8D6D1}"/>
+          </ac:spMkLst>
+        </pc:spChg>
+      </pc:sldChg>
+      <pc:sldChg chg="addSp delSp modSp new del mod">
+        <pc:chgData name="KEVIN MALAGOLI" userId="4753276f-5182-4cb6-86cf-6602de7c63db" providerId="ADAL" clId="{68B8C37D-D1A3-4930-886D-935F27EC255B}" dt="2021-12-31T16:30:35.970" v="4358" actId="47"/>
+        <pc:sldMkLst>
+          <pc:docMk/>
+          <pc:sldMk cId="1604912465" sldId="346"/>
+        </pc:sldMkLst>
+        <pc:spChg chg="mod">
+          <ac:chgData name="KEVIN MALAGOLI" userId="4753276f-5182-4cb6-86cf-6602de7c63db" providerId="ADAL" clId="{68B8C37D-D1A3-4930-886D-935F27EC255B}" dt="2021-12-30T12:55:05.082" v="3674" actId="20577"/>
+          <ac:spMkLst>
+            <pc:docMk/>
+            <pc:sldMk cId="1604912465" sldId="346"/>
+            <ac:spMk id="2" creationId="{744E40DF-61C4-4C3B-A757-43346AF927F4}"/>
+          </ac:spMkLst>
+        </pc:spChg>
+        <pc:spChg chg="mod">
+          <ac:chgData name="KEVIN MALAGOLI" userId="4753276f-5182-4cb6-86cf-6602de7c63db" providerId="ADAL" clId="{68B8C37D-D1A3-4930-886D-935F27EC255B}" dt="2021-12-30T12:59:10.370" v="3859" actId="20577"/>
+          <ac:spMkLst>
+            <pc:docMk/>
+            <pc:sldMk cId="1604912465" sldId="346"/>
+            <ac:spMk id="3" creationId="{9A816263-167A-48FD-8E24-2122B6F7295E}"/>
+          </ac:spMkLst>
+        </pc:spChg>
+        <pc:spChg chg="del">
+          <ac:chgData name="KEVIN MALAGOLI" userId="4753276f-5182-4cb6-86cf-6602de7c63db" providerId="ADAL" clId="{68B8C37D-D1A3-4930-886D-935F27EC255B}" dt="2021-12-30T12:55:12.823" v="3676"/>
+          <ac:spMkLst>
+            <pc:docMk/>
+            <pc:sldMk cId="1604912465" sldId="346"/>
+            <ac:spMk id="4" creationId="{1D474C3C-739E-4758-A434-628D02A642B6}"/>
+          </ac:spMkLst>
+        </pc:spChg>
+        <pc:spChg chg="add mod">
+          <ac:chgData name="KEVIN MALAGOLI" userId="4753276f-5182-4cb6-86cf-6602de7c63db" providerId="ADAL" clId="{68B8C37D-D1A3-4930-886D-935F27EC255B}" dt="2021-12-30T12:55:30.788" v="3686" actId="20577"/>
+          <ac:spMkLst>
+            <pc:docMk/>
+            <pc:sldMk cId="1604912465" sldId="346"/>
+            <ac:spMk id="6" creationId="{A90FE9FA-1502-4D0E-9AAE-77C70ADA7B90}"/>
+          </ac:spMkLst>
+        </pc:spChg>
+      </pc:sldChg>
+      <pc:sldMasterChg chg="modSp modSldLayout">
+        <pc:chgData name="KEVIN MALAGOLI" userId="4753276f-5182-4cb6-86cf-6602de7c63db" providerId="ADAL" clId="{68B8C37D-D1A3-4930-886D-935F27EC255B}" dt="2021-12-31T16:30:49.273" v="4370"/>
+        <pc:sldMasterMkLst>
+          <pc:docMk/>
+          <pc:sldMasterMk cId="1745424456" sldId="2147483672"/>
+        </pc:sldMasterMkLst>
+        <pc:spChg chg="mod">
+          <ac:chgData name="KEVIN MALAGOLI" userId="4753276f-5182-4cb6-86cf-6602de7c63db" providerId="ADAL" clId="{68B8C37D-D1A3-4930-886D-935F27EC255B}" dt="2021-12-31T16:30:49.273" v="4370"/>
+          <ac:spMkLst>
+            <pc:docMk/>
+            <pc:sldMasterMk cId="1745424456" sldId="2147483672"/>
+            <ac:spMk id="2" creationId="{00000000-0000-0000-0000-000000000000}"/>
+          </ac:spMkLst>
+        </pc:spChg>
+        <pc:spChg chg="mod">
+          <ac:chgData name="KEVIN MALAGOLI" userId="4753276f-5182-4cb6-86cf-6602de7c63db" providerId="ADAL" clId="{68B8C37D-D1A3-4930-886D-935F27EC255B}" dt="2021-12-31T16:30:49.273" v="4370"/>
+          <ac:spMkLst>
+            <pc:docMk/>
+            <pc:sldMasterMk cId="1745424456" sldId="2147483672"/>
+            <ac:spMk id="3" creationId="{00000000-0000-0000-0000-000000000000}"/>
+          </ac:spMkLst>
+        </pc:spChg>
+        <pc:spChg chg="mod">
+          <ac:chgData name="KEVIN MALAGOLI" userId="4753276f-5182-4cb6-86cf-6602de7c63db" providerId="ADAL" clId="{68B8C37D-D1A3-4930-886D-935F27EC255B}" dt="2021-12-31T16:30:49.273" v="4370"/>
+          <ac:spMkLst>
+            <pc:docMk/>
+            <pc:sldMasterMk cId="1745424456" sldId="2147483672"/>
+            <ac:spMk id="10" creationId="{00000000-0000-0000-0000-000000000000}"/>
+          </ac:spMkLst>
+        </pc:spChg>
+        <pc:picChg chg="mod">
+          <ac:chgData name="KEVIN MALAGOLI" userId="4753276f-5182-4cb6-86cf-6602de7c63db" providerId="ADAL" clId="{68B8C37D-D1A3-4930-886D-935F27EC255B}" dt="2021-12-31T16:30:49.273" v="4370"/>
+          <ac:picMkLst>
+            <pc:docMk/>
+            <pc:sldMasterMk cId="1745424456" sldId="2147483672"/>
+            <ac:picMk id="7" creationId="{00000000-0000-0000-0000-000000000000}"/>
+          </ac:picMkLst>
+        </pc:picChg>
+        <pc:picChg chg="mod">
+          <ac:chgData name="KEVIN MALAGOLI" userId="4753276f-5182-4cb6-86cf-6602de7c63db" providerId="ADAL" clId="{68B8C37D-D1A3-4930-886D-935F27EC255B}" dt="2021-12-31T16:30:49.273" v="4370"/>
+          <ac:picMkLst>
+            <pc:docMk/>
+            <pc:sldMasterMk cId="1745424456" sldId="2147483672"/>
+            <ac:picMk id="8" creationId="{00000000-0000-0000-0000-000000000000}"/>
+          </ac:picMkLst>
+        </pc:picChg>
+        <pc:sldLayoutChg chg="modSp">
+          <pc:chgData name="KEVIN MALAGOLI" userId="4753276f-5182-4cb6-86cf-6602de7c63db" providerId="ADAL" clId="{68B8C37D-D1A3-4930-886D-935F27EC255B}" dt="2021-12-31T16:30:49.273" v="4370"/>
+          <pc:sldLayoutMkLst>
+            <pc:docMk/>
+            <pc:sldMasterMk cId="1745424456" sldId="2147483672"/>
+            <pc:sldLayoutMk cId="1414566732" sldId="2147483673"/>
+          </pc:sldLayoutMkLst>
+          <pc:spChg chg="mod">
+            <ac:chgData name="KEVIN MALAGOLI" userId="4753276f-5182-4cb6-86cf-6602de7c63db" providerId="ADAL" clId="{68B8C37D-D1A3-4930-886D-935F27EC255B}" dt="2021-12-31T16:30:49.273" v="4370"/>
+            <ac:spMkLst>
+              <pc:docMk/>
+              <pc:sldMasterMk cId="1745424456" sldId="2147483672"/>
+              <pc:sldLayoutMk cId="1414566732" sldId="2147483673"/>
+              <ac:spMk id="2" creationId="{00000000-0000-0000-0000-000000000000}"/>
+            </ac:spMkLst>
+          </pc:spChg>
+          <pc:spChg chg="mod">
+            <ac:chgData name="KEVIN MALAGOLI" userId="4753276f-5182-4cb6-86cf-6602de7c63db" providerId="ADAL" clId="{68B8C37D-D1A3-4930-886D-935F27EC255B}" dt="2021-12-31T16:30:49.273" v="4370"/>
+            <ac:spMkLst>
+              <pc:docMk/>
+              <pc:sldMasterMk cId="1745424456" sldId="2147483672"/>
+              <pc:sldLayoutMk cId="1414566732" sldId="2147483673"/>
+              <ac:spMk id="3" creationId="{00000000-0000-0000-0000-000000000000}"/>
+            </ac:spMkLst>
+          </pc:spChg>
+          <pc:spChg chg="mod">
+            <ac:chgData name="KEVIN MALAGOLI" userId="4753276f-5182-4cb6-86cf-6602de7c63db" providerId="ADAL" clId="{68B8C37D-D1A3-4930-886D-935F27EC255B}" dt="2021-12-31T16:30:49.273" v="4370"/>
+            <ac:spMkLst>
+              <pc:docMk/>
+              <pc:sldMasterMk cId="1745424456" sldId="2147483672"/>
+              <pc:sldLayoutMk cId="1414566732" sldId="2147483673"/>
+              <ac:spMk id="6" creationId="{00000000-0000-0000-0000-000000000000}"/>
+            </ac:spMkLst>
+          </pc:spChg>
+          <pc:cxnChg chg="mod">
+            <ac:chgData name="KEVIN MALAGOLI" userId="4753276f-5182-4cb6-86cf-6602de7c63db" providerId="ADAL" clId="{68B8C37D-D1A3-4930-886D-935F27EC255B}" dt="2021-12-31T16:30:49.273" v="4370"/>
+            <ac:cxnSpMkLst>
+              <pc:docMk/>
+              <pc:sldMasterMk cId="1745424456" sldId="2147483672"/>
+              <pc:sldLayoutMk cId="1414566732" sldId="2147483673"/>
+              <ac:cxnSpMk id="9" creationId="{00000000-0000-0000-0000-000000000000}"/>
+            </ac:cxnSpMkLst>
+          </pc:cxnChg>
+        </pc:sldLayoutChg>
+        <pc:sldLayoutChg chg="modSp">
+          <pc:chgData name="KEVIN MALAGOLI" userId="4753276f-5182-4cb6-86cf-6602de7c63db" providerId="ADAL" clId="{68B8C37D-D1A3-4930-886D-935F27EC255B}" dt="2021-12-31T16:30:49.273" v="4370"/>
+          <pc:sldLayoutMkLst>
+            <pc:docMk/>
+            <pc:sldMasterMk cId="1745424456" sldId="2147483672"/>
+            <pc:sldLayoutMk cId="2295525336" sldId="2147483674"/>
+          </pc:sldLayoutMkLst>
+          <pc:spChg chg="mod">
+            <ac:chgData name="KEVIN MALAGOLI" userId="4753276f-5182-4cb6-86cf-6602de7c63db" providerId="ADAL" clId="{68B8C37D-D1A3-4930-886D-935F27EC255B}" dt="2021-12-31T16:30:49.273" v="4370"/>
+            <ac:spMkLst>
+              <pc:docMk/>
+              <pc:sldMasterMk cId="1745424456" sldId="2147483672"/>
+              <pc:sldLayoutMk cId="2295525336" sldId="2147483674"/>
+              <ac:spMk id="6" creationId="{00000000-0000-0000-0000-000000000000}"/>
+            </ac:spMkLst>
+          </pc:spChg>
+          <pc:cxnChg chg="mod">
+            <ac:chgData name="KEVIN MALAGOLI" userId="4753276f-5182-4cb6-86cf-6602de7c63db" providerId="ADAL" clId="{68B8C37D-D1A3-4930-886D-935F27EC255B}" dt="2021-12-31T16:30:49.273" v="4370"/>
+            <ac:cxnSpMkLst>
+              <pc:docMk/>
+              <pc:sldMasterMk cId="1745424456" sldId="2147483672"/>
+              <pc:sldLayoutMk cId="2295525336" sldId="2147483674"/>
+              <ac:cxnSpMk id="7" creationId="{00000000-0000-0000-0000-000000000000}"/>
+            </ac:cxnSpMkLst>
+          </pc:cxnChg>
+        </pc:sldLayoutChg>
+        <pc:sldLayoutChg chg="modSp">
+          <pc:chgData name="KEVIN MALAGOLI" userId="4753276f-5182-4cb6-86cf-6602de7c63db" providerId="ADAL" clId="{68B8C37D-D1A3-4930-886D-935F27EC255B}" dt="2021-12-31T16:30:49.273" v="4370"/>
+          <pc:sldLayoutMkLst>
+            <pc:docMk/>
+            <pc:sldMasterMk cId="1745424456" sldId="2147483672"/>
+            <pc:sldLayoutMk cId="1606505602" sldId="2147483675"/>
+          </pc:sldLayoutMkLst>
+          <pc:spChg chg="mod">
+            <ac:chgData name="KEVIN MALAGOLI" userId="4753276f-5182-4cb6-86cf-6602de7c63db" providerId="ADAL" clId="{68B8C37D-D1A3-4930-886D-935F27EC255B}" dt="2021-12-31T16:30:49.273" v="4370"/>
+            <ac:spMkLst>
+              <pc:docMk/>
+              <pc:sldMasterMk cId="1745424456" sldId="2147483672"/>
+              <pc:sldLayoutMk cId="1606505602" sldId="2147483675"/>
+              <ac:spMk id="2" creationId="{00000000-0000-0000-0000-000000000000}"/>
+            </ac:spMkLst>
+          </pc:spChg>
+          <pc:spChg chg="mod">
+            <ac:chgData name="KEVIN MALAGOLI" userId="4753276f-5182-4cb6-86cf-6602de7c63db" providerId="ADAL" clId="{68B8C37D-D1A3-4930-886D-935F27EC255B}" dt="2021-12-31T16:30:49.273" v="4370"/>
+            <ac:spMkLst>
+              <pc:docMk/>
+              <pc:sldMasterMk cId="1745424456" sldId="2147483672"/>
+              <pc:sldLayoutMk cId="1606505602" sldId="2147483675"/>
+              <ac:spMk id="3" creationId="{00000000-0000-0000-0000-000000000000}"/>
+            </ac:spMkLst>
+          </pc:spChg>
+          <pc:spChg chg="mod">
+            <ac:chgData name="KEVIN MALAGOLI" userId="4753276f-5182-4cb6-86cf-6602de7c63db" providerId="ADAL" clId="{68B8C37D-D1A3-4930-886D-935F27EC255B}" dt="2021-12-31T16:30:49.273" v="4370"/>
+            <ac:spMkLst>
+              <pc:docMk/>
+              <pc:sldMasterMk cId="1745424456" sldId="2147483672"/>
+              <pc:sldLayoutMk cId="1606505602" sldId="2147483675"/>
+              <ac:spMk id="6" creationId="{00000000-0000-0000-0000-000000000000}"/>
+            </ac:spMkLst>
+          </pc:spChg>
+          <pc:cxnChg chg="mod">
+            <ac:chgData name="KEVIN MALAGOLI" userId="4753276f-5182-4cb6-86cf-6602de7c63db" providerId="ADAL" clId="{68B8C37D-D1A3-4930-886D-935F27EC255B}" dt="2021-12-31T16:30:49.273" v="4370"/>
+            <ac:cxnSpMkLst>
+              <pc:docMk/>
+              <pc:sldMasterMk cId="1745424456" sldId="2147483672"/>
+              <pc:sldLayoutMk cId="1606505602" sldId="2147483675"/>
+              <ac:cxnSpMk id="7" creationId="{00000000-0000-0000-0000-000000000000}"/>
+            </ac:cxnSpMkLst>
+          </pc:cxnChg>
+        </pc:sldLayoutChg>
+        <pc:sldLayoutChg chg="modSp">
+          <pc:chgData name="KEVIN MALAGOLI" userId="4753276f-5182-4cb6-86cf-6602de7c63db" providerId="ADAL" clId="{68B8C37D-D1A3-4930-886D-935F27EC255B}" dt="2021-12-31T16:30:49.273" v="4370"/>
+          <pc:sldLayoutMkLst>
+            <pc:docMk/>
+            <pc:sldMasterMk cId="1745424456" sldId="2147483672"/>
+            <pc:sldLayoutMk cId="1368979457" sldId="2147483676"/>
+          </pc:sldLayoutMkLst>
+          <pc:spChg chg="mod">
+            <ac:chgData name="KEVIN MALAGOLI" userId="4753276f-5182-4cb6-86cf-6602de7c63db" providerId="ADAL" clId="{68B8C37D-D1A3-4930-886D-935F27EC255B}" dt="2021-12-31T16:30:49.273" v="4370"/>
+            <ac:spMkLst>
+              <pc:docMk/>
+              <pc:sldMasterMk cId="1745424456" sldId="2147483672"/>
+              <pc:sldLayoutMk cId="1368979457" sldId="2147483676"/>
+              <ac:spMk id="3" creationId="{00000000-0000-0000-0000-000000000000}"/>
+            </ac:spMkLst>
+          </pc:spChg>
+          <pc:spChg chg="mod">
+            <ac:chgData name="KEVIN MALAGOLI" userId="4753276f-5182-4cb6-86cf-6602de7c63db" providerId="ADAL" clId="{68B8C37D-D1A3-4930-886D-935F27EC255B}" dt="2021-12-31T16:30:49.273" v="4370"/>
+            <ac:spMkLst>
+              <pc:docMk/>
+              <pc:sldMasterMk cId="1745424456" sldId="2147483672"/>
+              <pc:sldLayoutMk cId="1368979457" sldId="2147483676"/>
+              <ac:spMk id="4" creationId="{00000000-0000-0000-0000-000000000000}"/>
+            </ac:spMkLst>
+          </pc:spChg>
+          <pc:spChg chg="mod">
+            <ac:chgData name="KEVIN MALAGOLI" userId="4753276f-5182-4cb6-86cf-6602de7c63db" providerId="ADAL" clId="{68B8C37D-D1A3-4930-886D-935F27EC255B}" dt="2021-12-31T16:30:49.273" v="4370"/>
+            <ac:spMkLst>
+              <pc:docMk/>
+              <pc:sldMasterMk cId="1745424456" sldId="2147483672"/>
+              <pc:sldLayoutMk cId="1368979457" sldId="2147483676"/>
+              <ac:spMk id="7" creationId="{00000000-0000-0000-0000-000000000000}"/>
+            </ac:spMkLst>
+          </pc:spChg>
+          <pc:cxnChg chg="mod">
+            <ac:chgData name="KEVIN MALAGOLI" userId="4753276f-5182-4cb6-86cf-6602de7c63db" providerId="ADAL" clId="{68B8C37D-D1A3-4930-886D-935F27EC255B}" dt="2021-12-31T16:30:49.273" v="4370"/>
+            <ac:cxnSpMkLst>
+              <pc:docMk/>
+              <pc:sldMasterMk cId="1745424456" sldId="2147483672"/>
+              <pc:sldLayoutMk cId="1368979457" sldId="2147483676"/>
+              <ac:cxnSpMk id="8" creationId="{00000000-0000-0000-0000-000000000000}"/>
+            </ac:cxnSpMkLst>
+          </pc:cxnChg>
+        </pc:sldLayoutChg>
+        <pc:sldLayoutChg chg="modSp">
+          <pc:chgData name="KEVIN MALAGOLI" userId="4753276f-5182-4cb6-86cf-6602de7c63db" providerId="ADAL" clId="{68B8C37D-D1A3-4930-886D-935F27EC255B}" dt="2021-12-31T16:30:49.273" v="4370"/>
+          <pc:sldLayoutMkLst>
+            <pc:docMk/>
+            <pc:sldMasterMk cId="1745424456" sldId="2147483672"/>
+            <pc:sldLayoutMk cId="826361269" sldId="2147483677"/>
+          </pc:sldLayoutMkLst>
+          <pc:spChg chg="mod">
+            <ac:chgData name="KEVIN MALAGOLI" userId="4753276f-5182-4cb6-86cf-6602de7c63db" providerId="ADAL" clId="{68B8C37D-D1A3-4930-886D-935F27EC255B}" dt="2021-12-31T16:30:49.273" v="4370"/>
+            <ac:spMkLst>
+              <pc:docMk/>
+              <pc:sldMasterMk cId="1745424456" sldId="2147483672"/>
+              <pc:sldLayoutMk cId="826361269" sldId="2147483677"/>
+              <ac:spMk id="3" creationId="{00000000-0000-0000-0000-000000000000}"/>
+            </ac:spMkLst>
+          </pc:spChg>
+          <pc:spChg chg="mod">
+            <ac:chgData name="KEVIN MALAGOLI" userId="4753276f-5182-4cb6-86cf-6602de7c63db" providerId="ADAL" clId="{68B8C37D-D1A3-4930-886D-935F27EC255B}" dt="2021-12-31T16:30:49.273" v="4370"/>
+            <ac:spMkLst>
+              <pc:docMk/>
+              <pc:sldMasterMk cId="1745424456" sldId="2147483672"/>
+              <pc:sldLayoutMk cId="826361269" sldId="2147483677"/>
+              <ac:spMk id="4" creationId="{00000000-0000-0000-0000-000000000000}"/>
+            </ac:spMkLst>
+          </pc:spChg>
+          <pc:spChg chg="mod">
+            <ac:chgData name="KEVIN MALAGOLI" userId="4753276f-5182-4cb6-86cf-6602de7c63db" providerId="ADAL" clId="{68B8C37D-D1A3-4930-886D-935F27EC255B}" dt="2021-12-31T16:30:49.273" v="4370"/>
+            <ac:spMkLst>
+              <pc:docMk/>
+              <pc:sldMasterMk cId="1745424456" sldId="2147483672"/>
+              <pc:sldLayoutMk cId="826361269" sldId="2147483677"/>
+              <ac:spMk id="5" creationId="{00000000-0000-0000-0000-000000000000}"/>
+            </ac:spMkLst>
+          </pc:spChg>
+          <pc:spChg chg="mod">
+            <ac:chgData name="KEVIN MALAGOLI" userId="4753276f-5182-4cb6-86cf-6602de7c63db" providerId="ADAL" clId="{68B8C37D-D1A3-4930-886D-935F27EC255B}" dt="2021-12-31T16:30:49.273" v="4370"/>
+            <ac:spMkLst>
+              <pc:docMk/>
+              <pc:sldMasterMk cId="1745424456" sldId="2147483672"/>
+              <pc:sldLayoutMk cId="826361269" sldId="2147483677"/>
+              <ac:spMk id="6" creationId="{00000000-0000-0000-0000-000000000000}"/>
+            </ac:spMkLst>
+          </pc:spChg>
+          <pc:spChg chg="mod">
+            <ac:chgData name="KEVIN MALAGOLI" userId="4753276f-5182-4cb6-86cf-6602de7c63db" providerId="ADAL" clId="{68B8C37D-D1A3-4930-886D-935F27EC255B}" dt="2021-12-31T16:30:49.273" v="4370"/>
+            <ac:spMkLst>
+              <pc:docMk/>
+              <pc:sldMasterMk cId="1745424456" sldId="2147483672"/>
+              <pc:sldLayoutMk cId="826361269" sldId="2147483677"/>
+              <ac:spMk id="9" creationId="{00000000-0000-0000-0000-000000000000}"/>
+            </ac:spMkLst>
+          </pc:spChg>
+          <pc:cxnChg chg="mod">
+            <ac:chgData name="KEVIN MALAGOLI" userId="4753276f-5182-4cb6-86cf-6602de7c63db" providerId="ADAL" clId="{68B8C37D-D1A3-4930-886D-935F27EC255B}" dt="2021-12-31T16:30:49.273" v="4370"/>
+            <ac:cxnSpMkLst>
+              <pc:docMk/>
+              <pc:sldMasterMk cId="1745424456" sldId="2147483672"/>
+              <pc:sldLayoutMk cId="826361269" sldId="2147483677"/>
+              <ac:cxnSpMk id="10" creationId="{00000000-0000-0000-0000-000000000000}"/>
+            </ac:cxnSpMkLst>
+          </pc:cxnChg>
+        </pc:sldLayoutChg>
+        <pc:sldLayoutChg chg="modSp">
+          <pc:chgData name="KEVIN MALAGOLI" userId="4753276f-5182-4cb6-86cf-6602de7c63db" providerId="ADAL" clId="{68B8C37D-D1A3-4930-886D-935F27EC255B}" dt="2021-12-31T16:30:49.273" v="4370"/>
+          <pc:sldLayoutMkLst>
+            <pc:docMk/>
+            <pc:sldMasterMk cId="1745424456" sldId="2147483672"/>
+            <pc:sldLayoutMk cId="3754717069" sldId="2147483678"/>
+          </pc:sldLayoutMkLst>
+          <pc:spChg chg="mod">
+            <ac:chgData name="KEVIN MALAGOLI" userId="4753276f-5182-4cb6-86cf-6602de7c63db" providerId="ADAL" clId="{68B8C37D-D1A3-4930-886D-935F27EC255B}" dt="2021-12-31T16:30:49.273" v="4370"/>
+            <ac:spMkLst>
+              <pc:docMk/>
+              <pc:sldMasterMk cId="1745424456" sldId="2147483672"/>
+              <pc:sldLayoutMk cId="3754717069" sldId="2147483678"/>
+              <ac:spMk id="5" creationId="{00000000-0000-0000-0000-000000000000}"/>
+            </ac:spMkLst>
+          </pc:spChg>
+          <pc:cxnChg chg="mod">
+            <ac:chgData name="KEVIN MALAGOLI" userId="4753276f-5182-4cb6-86cf-6602de7c63db" providerId="ADAL" clId="{68B8C37D-D1A3-4930-886D-935F27EC255B}" dt="2021-12-31T16:30:49.273" v="4370"/>
+            <ac:cxnSpMkLst>
+              <pc:docMk/>
+              <pc:sldMasterMk cId="1745424456" sldId="2147483672"/>
+              <pc:sldLayoutMk cId="3754717069" sldId="2147483678"/>
+              <ac:cxnSpMk id="6" creationId="{00000000-0000-0000-0000-000000000000}"/>
+            </ac:cxnSpMkLst>
+          </pc:cxnChg>
+        </pc:sldLayoutChg>
+        <pc:sldLayoutChg chg="modSp">
+          <pc:chgData name="KEVIN MALAGOLI" userId="4753276f-5182-4cb6-86cf-6602de7c63db" providerId="ADAL" clId="{68B8C37D-D1A3-4930-886D-935F27EC255B}" dt="2021-12-31T16:30:49.273" v="4370"/>
+          <pc:sldLayoutMkLst>
+            <pc:docMk/>
+            <pc:sldMasterMk cId="1745424456" sldId="2147483672"/>
+            <pc:sldLayoutMk cId="1807065275" sldId="2147483679"/>
+          </pc:sldLayoutMkLst>
+          <pc:spChg chg="mod">
+            <ac:chgData name="KEVIN MALAGOLI" userId="4753276f-5182-4cb6-86cf-6602de7c63db" providerId="ADAL" clId="{68B8C37D-D1A3-4930-886D-935F27EC255B}" dt="2021-12-31T16:30:49.273" v="4370"/>
+            <ac:spMkLst>
+              <pc:docMk/>
+              <pc:sldMasterMk cId="1745424456" sldId="2147483672"/>
+              <pc:sldLayoutMk cId="1807065275" sldId="2147483679"/>
+              <ac:spMk id="4" creationId="{00000000-0000-0000-0000-000000000000}"/>
+            </ac:spMkLst>
+          </pc:spChg>
+        </pc:sldLayoutChg>
+        <pc:sldLayoutChg chg="modSp">
+          <pc:chgData name="KEVIN MALAGOLI" userId="4753276f-5182-4cb6-86cf-6602de7c63db" providerId="ADAL" clId="{68B8C37D-D1A3-4930-886D-935F27EC255B}" dt="2021-12-31T16:30:49.273" v="4370"/>
+          <pc:sldLayoutMkLst>
+            <pc:docMk/>
+            <pc:sldMasterMk cId="1745424456" sldId="2147483672"/>
+            <pc:sldLayoutMk cId="3721473086" sldId="2147483680"/>
+          </pc:sldLayoutMkLst>
+          <pc:spChg chg="mod">
+            <ac:chgData name="KEVIN MALAGOLI" userId="4753276f-5182-4cb6-86cf-6602de7c63db" providerId="ADAL" clId="{68B8C37D-D1A3-4930-886D-935F27EC255B}" dt="2021-12-31T16:30:49.273" v="4370"/>
+            <ac:spMkLst>
+              <pc:docMk/>
+              <pc:sldMasterMk cId="1745424456" sldId="2147483672"/>
+              <pc:sldLayoutMk cId="3721473086" sldId="2147483680"/>
+              <ac:spMk id="2" creationId="{00000000-0000-0000-0000-000000000000}"/>
+            </ac:spMkLst>
+          </pc:spChg>
+          <pc:spChg chg="mod">
+            <ac:chgData name="KEVIN MALAGOLI" userId="4753276f-5182-4cb6-86cf-6602de7c63db" providerId="ADAL" clId="{68B8C37D-D1A3-4930-886D-935F27EC255B}" dt="2021-12-31T16:30:49.273" v="4370"/>
+            <ac:spMkLst>
+              <pc:docMk/>
+              <pc:sldMasterMk cId="1745424456" sldId="2147483672"/>
+              <pc:sldLayoutMk cId="3721473086" sldId="2147483680"/>
+              <ac:spMk id="3" creationId="{00000000-0000-0000-0000-000000000000}"/>
+            </ac:spMkLst>
+          </pc:spChg>
+          <pc:spChg chg="mod">
+            <ac:chgData name="KEVIN MALAGOLI" userId="4753276f-5182-4cb6-86cf-6602de7c63db" providerId="ADAL" clId="{68B8C37D-D1A3-4930-886D-935F27EC255B}" dt="2021-12-31T16:30:49.273" v="4370"/>
+            <ac:spMkLst>
+              <pc:docMk/>
+              <pc:sldMasterMk cId="1745424456" sldId="2147483672"/>
+              <pc:sldLayoutMk cId="3721473086" sldId="2147483680"/>
+              <ac:spMk id="4" creationId="{00000000-0000-0000-0000-000000000000}"/>
+            </ac:spMkLst>
+          </pc:spChg>
+          <pc:spChg chg="mod">
+            <ac:chgData name="KEVIN MALAGOLI" userId="4753276f-5182-4cb6-86cf-6602de7c63db" providerId="ADAL" clId="{68B8C37D-D1A3-4930-886D-935F27EC255B}" dt="2021-12-31T16:30:49.273" v="4370"/>
+            <ac:spMkLst>
+              <pc:docMk/>
+              <pc:sldMasterMk cId="1745424456" sldId="2147483672"/>
+              <pc:sldLayoutMk cId="3721473086" sldId="2147483680"/>
+              <ac:spMk id="7" creationId="{00000000-0000-0000-0000-000000000000}"/>
+            </ac:spMkLst>
+          </pc:spChg>
+        </pc:sldLayoutChg>
+        <pc:sldLayoutChg chg="modSp">
+          <pc:chgData name="KEVIN MALAGOLI" userId="4753276f-5182-4cb6-86cf-6602de7c63db" providerId="ADAL" clId="{68B8C37D-D1A3-4930-886D-935F27EC255B}" dt="2021-12-31T16:30:49.273" v="4370"/>
+          <pc:sldLayoutMkLst>
+            <pc:docMk/>
+            <pc:sldMasterMk cId="1745424456" sldId="2147483672"/>
+            <pc:sldLayoutMk cId="1990657624" sldId="2147483681"/>
+          </pc:sldLayoutMkLst>
+          <pc:spChg chg="mod">
+            <ac:chgData name="KEVIN MALAGOLI" userId="4753276f-5182-4cb6-86cf-6602de7c63db" providerId="ADAL" clId="{68B8C37D-D1A3-4930-886D-935F27EC255B}" dt="2021-12-31T16:30:49.273" v="4370"/>
+            <ac:spMkLst>
+              <pc:docMk/>
+              <pc:sldMasterMk cId="1745424456" sldId="2147483672"/>
+              <pc:sldLayoutMk cId="1990657624" sldId="2147483681"/>
+              <ac:spMk id="2" creationId="{00000000-0000-0000-0000-000000000000}"/>
+            </ac:spMkLst>
+          </pc:spChg>
+          <pc:spChg chg="mod">
+            <ac:chgData name="KEVIN MALAGOLI" userId="4753276f-5182-4cb6-86cf-6602de7c63db" providerId="ADAL" clId="{68B8C37D-D1A3-4930-886D-935F27EC255B}" dt="2021-12-31T16:30:49.273" v="4370"/>
+            <ac:spMkLst>
+              <pc:docMk/>
+              <pc:sldMasterMk cId="1745424456" sldId="2147483672"/>
+              <pc:sldLayoutMk cId="1990657624" sldId="2147483681"/>
+              <ac:spMk id="3" creationId="{00000000-0000-0000-0000-000000000000}"/>
+            </ac:spMkLst>
+          </pc:spChg>
+          <pc:spChg chg="mod">
+            <ac:chgData name="KEVIN MALAGOLI" userId="4753276f-5182-4cb6-86cf-6602de7c63db" providerId="ADAL" clId="{68B8C37D-D1A3-4930-886D-935F27EC255B}" dt="2021-12-31T16:30:49.273" v="4370"/>
+            <ac:spMkLst>
+              <pc:docMk/>
+              <pc:sldMasterMk cId="1745424456" sldId="2147483672"/>
+              <pc:sldLayoutMk cId="1990657624" sldId="2147483681"/>
+              <ac:spMk id="4" creationId="{00000000-0000-0000-0000-000000000000}"/>
+            </ac:spMkLst>
+          </pc:spChg>
+          <pc:spChg chg="mod">
+            <ac:chgData name="KEVIN MALAGOLI" userId="4753276f-5182-4cb6-86cf-6602de7c63db" providerId="ADAL" clId="{68B8C37D-D1A3-4930-886D-935F27EC255B}" dt="2021-12-31T16:30:49.273" v="4370"/>
+            <ac:spMkLst>
+              <pc:docMk/>
+              <pc:sldMasterMk cId="1745424456" sldId="2147483672"/>
+              <pc:sldLayoutMk cId="1990657624" sldId="2147483681"/>
+              <ac:spMk id="7" creationId="{00000000-0000-0000-0000-000000000000}"/>
+            </ac:spMkLst>
+          </pc:spChg>
+          <pc:cxnChg chg="mod">
+            <ac:chgData name="KEVIN MALAGOLI" userId="4753276f-5182-4cb6-86cf-6602de7c63db" providerId="ADAL" clId="{68B8C37D-D1A3-4930-886D-935F27EC255B}" dt="2021-12-31T16:30:49.273" v="4370"/>
+            <ac:cxnSpMkLst>
+              <pc:docMk/>
+              <pc:sldMasterMk cId="1745424456" sldId="2147483672"/>
+              <pc:sldLayoutMk cId="1990657624" sldId="2147483681"/>
+              <ac:cxnSpMk id="8" creationId="{00000000-0000-0000-0000-000000000000}"/>
+            </ac:cxnSpMkLst>
+          </pc:cxnChg>
+        </pc:sldLayoutChg>
+        <pc:sldLayoutChg chg="modSp">
+          <pc:chgData name="KEVIN MALAGOLI" userId="4753276f-5182-4cb6-86cf-6602de7c63db" providerId="ADAL" clId="{68B8C37D-D1A3-4930-886D-935F27EC255B}" dt="2021-12-31T16:30:49.273" v="4370"/>
+          <pc:sldLayoutMkLst>
+            <pc:docMk/>
+            <pc:sldMasterMk cId="1745424456" sldId="2147483672"/>
+            <pc:sldLayoutMk cId="3004086258" sldId="2147483682"/>
+          </pc:sldLayoutMkLst>
+          <pc:spChg chg="mod">
+            <ac:chgData name="KEVIN MALAGOLI" userId="4753276f-5182-4cb6-86cf-6602de7c63db" providerId="ADAL" clId="{68B8C37D-D1A3-4930-886D-935F27EC255B}" dt="2021-12-31T16:30:49.273" v="4370"/>
+            <ac:spMkLst>
+              <pc:docMk/>
+              <pc:sldMasterMk cId="1745424456" sldId="2147483672"/>
+              <pc:sldLayoutMk cId="3004086258" sldId="2147483682"/>
+              <ac:spMk id="6" creationId="{00000000-0000-0000-0000-000000000000}"/>
+            </ac:spMkLst>
+          </pc:spChg>
+          <pc:cxnChg chg="mod">
+            <ac:chgData name="KEVIN MALAGOLI" userId="4753276f-5182-4cb6-86cf-6602de7c63db" providerId="ADAL" clId="{68B8C37D-D1A3-4930-886D-935F27EC255B}" dt="2021-12-31T16:30:49.273" v="4370"/>
+            <ac:cxnSpMkLst>
+              <pc:docMk/>
+              <pc:sldMasterMk cId="1745424456" sldId="2147483672"/>
+              <pc:sldLayoutMk cId="3004086258" sldId="2147483682"/>
+              <ac:cxnSpMk id="7" creationId="{00000000-0000-0000-0000-000000000000}"/>
+            </ac:cxnSpMkLst>
+          </pc:cxnChg>
+        </pc:sldLayoutChg>
+        <pc:sldLayoutChg chg="modSp">
+          <pc:chgData name="KEVIN MALAGOLI" userId="4753276f-5182-4cb6-86cf-6602de7c63db" providerId="ADAL" clId="{68B8C37D-D1A3-4930-886D-935F27EC255B}" dt="2021-12-31T16:30:49.273" v="4370"/>
+          <pc:sldLayoutMkLst>
+            <pc:docMk/>
+            <pc:sldMasterMk cId="1745424456" sldId="2147483672"/>
+            <pc:sldLayoutMk cId="2528228811" sldId="2147483683"/>
+          </pc:sldLayoutMkLst>
+          <pc:spChg chg="mod">
+            <ac:chgData name="KEVIN MALAGOLI" userId="4753276f-5182-4cb6-86cf-6602de7c63db" providerId="ADAL" clId="{68B8C37D-D1A3-4930-886D-935F27EC255B}" dt="2021-12-31T16:30:49.273" v="4370"/>
+            <ac:spMkLst>
+              <pc:docMk/>
+              <pc:sldMasterMk cId="1745424456" sldId="2147483672"/>
+              <pc:sldLayoutMk cId="2528228811" sldId="2147483683"/>
+              <ac:spMk id="2" creationId="{00000000-0000-0000-0000-000000000000}"/>
+            </ac:spMkLst>
+          </pc:spChg>
+          <pc:spChg chg="mod">
+            <ac:chgData name="KEVIN MALAGOLI" userId="4753276f-5182-4cb6-86cf-6602de7c63db" providerId="ADAL" clId="{68B8C37D-D1A3-4930-886D-935F27EC255B}" dt="2021-12-31T16:30:49.273" v="4370"/>
+            <ac:spMkLst>
+              <pc:docMk/>
+              <pc:sldMasterMk cId="1745424456" sldId="2147483672"/>
+              <pc:sldLayoutMk cId="2528228811" sldId="2147483683"/>
+              <ac:spMk id="3" creationId="{00000000-0000-0000-0000-000000000000}"/>
+            </ac:spMkLst>
+          </pc:spChg>
+          <pc:spChg chg="mod">
+            <ac:chgData name="KEVIN MALAGOLI" userId="4753276f-5182-4cb6-86cf-6602de7c63db" providerId="ADAL" clId="{68B8C37D-D1A3-4930-886D-935F27EC255B}" dt="2021-12-31T16:30:49.273" v="4370"/>
+            <ac:spMkLst>
+              <pc:docMk/>
+              <pc:sldMasterMk cId="1745424456" sldId="2147483672"/>
+              <pc:sldLayoutMk cId="2528228811" sldId="2147483683"/>
+              <ac:spMk id="6" creationId="{00000000-0000-0000-0000-000000000000}"/>
+            </ac:spMkLst>
+          </pc:spChg>
+        </pc:sldLayoutChg>
+      </pc:sldMasterChg>
+    </pc:docChg>
+  </pc:docChgLst>
+</pc:chgInfo>
 </file>
 
 <file path=ppt/notesMasters/notesMaster1.xml><?xml version="1.0" encoding="utf-8"?>
@@ -210,7 +1193,7 @@
             <a:fld id="{BAEB7694-8561-4BE2-948D-EDF7A201F8BB}" type="datetimeFigureOut">
               <a:rPr lang="it-IT" smtClean="0"/>
               <a:pPr/>
-              <a:t>20/12/2021</a:t>
+              <a:t>31/12/2021</a:t>
             </a:fld>
             <a:endParaRPr lang="it-IT"/>
           </a:p>
@@ -228,8 +1211,8 @@
         </p:nvSpPr>
         <p:spPr>
           <a:xfrm>
-            <a:off x="1143000" y="685800"/>
-            <a:ext cx="4572000" cy="3429000"/>
+            <a:off x="381000" y="685800"/>
+            <a:ext cx="6096000" cy="3429000"/>
           </a:xfrm>
           <a:prstGeom prst="rect">
             <a:avLst/>
@@ -509,8 +1492,8 @@
         </p:nvSpPr>
         <p:spPr>
           <a:xfrm>
-            <a:off x="685800" y="2130425"/>
-            <a:ext cx="7772400" cy="1470025"/>
+            <a:off x="914400" y="2130426"/>
+            <a:ext cx="10363200" cy="1470025"/>
           </a:xfrm>
         </p:spPr>
         <p:txBody>
@@ -537,8 +1520,8 @@
         </p:nvSpPr>
         <p:spPr>
           <a:xfrm>
-            <a:off x="1371600" y="3886200"/>
-            <a:ext cx="6400800" cy="1752600"/>
+            <a:off x="1828800" y="3886200"/>
+            <a:ext cx="8534400" cy="1752600"/>
           </a:xfrm>
         </p:spPr>
         <p:txBody>
@@ -656,8 +1639,8 @@
         </p:nvSpPr>
         <p:spPr>
           <a:xfrm>
-            <a:off x="3836609" y="6362700"/>
-            <a:ext cx="4850191" cy="365125"/>
+            <a:off x="5115480" y="6362701"/>
+            <a:ext cx="6466921" cy="365125"/>
           </a:xfrm>
           <a:prstGeom prst="rect">
             <a:avLst/>
@@ -684,8 +1667,8 @@
         </p:nvCxnSpPr>
         <p:spPr>
           <a:xfrm flipV="1">
-            <a:off x="457200" y="3600450"/>
-            <a:ext cx="8686800" cy="2"/>
+            <a:off x="609600" y="3600450"/>
+            <a:ext cx="11582400" cy="2"/>
           </a:xfrm>
           <a:prstGeom prst="line">
             <a:avLst/>
@@ -838,8 +1821,8 @@
         </p:nvSpPr>
         <p:spPr>
           <a:xfrm>
-            <a:off x="3836609" y="6362700"/>
-            <a:ext cx="4850191" cy="365125"/>
+            <a:off x="5115480" y="6362701"/>
+            <a:ext cx="6466921" cy="365125"/>
           </a:xfrm>
           <a:prstGeom prst="rect">
             <a:avLst/>
@@ -866,8 +1849,8 @@
         </p:nvCxnSpPr>
         <p:spPr>
           <a:xfrm flipV="1">
-            <a:off x="457200" y="1388917"/>
-            <a:ext cx="8686800" cy="2"/>
+            <a:off x="609600" y="1388917"/>
+            <a:ext cx="11582400" cy="2"/>
           </a:xfrm>
           <a:prstGeom prst="line">
             <a:avLst/>
@@ -945,8 +1928,8 @@
         </p:nvSpPr>
         <p:spPr>
           <a:xfrm>
-            <a:off x="6629400" y="274638"/>
-            <a:ext cx="2057400" cy="5851525"/>
+            <a:off x="8839200" y="274639"/>
+            <a:ext cx="2743200" cy="5851525"/>
           </a:xfrm>
         </p:spPr>
         <p:txBody>
@@ -973,8 +1956,8 @@
         </p:nvSpPr>
         <p:spPr>
           <a:xfrm>
-            <a:off x="457200" y="274638"/>
-            <a:ext cx="6019800" cy="5851525"/>
+            <a:off x="609600" y="274639"/>
+            <a:ext cx="8026400" cy="5851525"/>
           </a:xfrm>
         </p:spPr>
         <p:txBody>
@@ -1030,8 +2013,8 @@
         </p:nvSpPr>
         <p:spPr>
           <a:xfrm>
-            <a:off x="3836609" y="6362700"/>
-            <a:ext cx="4850191" cy="365125"/>
+            <a:off x="5115480" y="6362701"/>
+            <a:ext cx="6466921" cy="365125"/>
           </a:xfrm>
           <a:prstGeom prst="rect">
             <a:avLst/>
@@ -1168,8 +2151,8 @@
         </p:nvSpPr>
         <p:spPr>
           <a:xfrm>
-            <a:off x="3836609" y="6362700"/>
-            <a:ext cx="4850191" cy="365125"/>
+            <a:off x="5115480" y="6362701"/>
+            <a:ext cx="6466921" cy="365125"/>
           </a:xfrm>
           <a:prstGeom prst="rect">
             <a:avLst/>
@@ -1196,8 +2179,8 @@
         </p:nvCxnSpPr>
         <p:spPr>
           <a:xfrm flipV="1">
-            <a:off x="457200" y="1388917"/>
-            <a:ext cx="8686800" cy="2"/>
+            <a:off x="609600" y="1388917"/>
+            <a:ext cx="11582400" cy="2"/>
           </a:xfrm>
           <a:prstGeom prst="line">
             <a:avLst/>
@@ -1275,8 +2258,8 @@
         </p:nvSpPr>
         <p:spPr>
           <a:xfrm>
-            <a:off x="722313" y="4406900"/>
-            <a:ext cx="7772400" cy="1362075"/>
+            <a:off x="963084" y="4406901"/>
+            <a:ext cx="10363200" cy="1362075"/>
           </a:xfrm>
         </p:spPr>
         <p:txBody>
@@ -1307,8 +2290,8 @@
         </p:nvSpPr>
         <p:spPr>
           <a:xfrm>
-            <a:off x="722313" y="2906713"/>
-            <a:ext cx="7772400" cy="1500187"/>
+            <a:off x="963084" y="2906713"/>
+            <a:ext cx="10363200" cy="1500187"/>
           </a:xfrm>
         </p:spPr>
         <p:txBody>
@@ -1426,8 +2409,8 @@
         </p:nvSpPr>
         <p:spPr>
           <a:xfrm>
-            <a:off x="3836609" y="6362700"/>
-            <a:ext cx="4850191" cy="365125"/>
+            <a:off x="5115480" y="6362701"/>
+            <a:ext cx="6466921" cy="365125"/>
           </a:xfrm>
           <a:prstGeom prst="rect">
             <a:avLst/>
@@ -1454,8 +2437,8 @@
         </p:nvCxnSpPr>
         <p:spPr>
           <a:xfrm flipV="1">
-            <a:off x="722313" y="4406900"/>
-            <a:ext cx="8421687" cy="2"/>
+            <a:off x="963085" y="4406900"/>
+            <a:ext cx="11228916" cy="2"/>
           </a:xfrm>
           <a:prstGeom prst="line">
             <a:avLst/>
@@ -1556,8 +2539,8 @@
         </p:nvSpPr>
         <p:spPr>
           <a:xfrm>
-            <a:off x="457200" y="1600200"/>
-            <a:ext cx="4038600" cy="4525963"/>
+            <a:off x="609600" y="1600201"/>
+            <a:ext cx="5384800" cy="4525963"/>
           </a:xfrm>
         </p:spPr>
         <p:txBody>
@@ -1641,8 +2624,8 @@
         </p:nvSpPr>
         <p:spPr>
           <a:xfrm>
-            <a:off x="4648200" y="1600200"/>
-            <a:ext cx="4038600" cy="4525963"/>
+            <a:off x="6197600" y="1600201"/>
+            <a:ext cx="5384800" cy="4525963"/>
           </a:xfrm>
         </p:spPr>
         <p:txBody>
@@ -1726,8 +2709,8 @@
         </p:nvSpPr>
         <p:spPr>
           <a:xfrm>
-            <a:off x="3836609" y="6362700"/>
-            <a:ext cx="4850191" cy="365125"/>
+            <a:off x="5115480" y="6362701"/>
+            <a:ext cx="6466921" cy="365125"/>
           </a:xfrm>
           <a:prstGeom prst="rect">
             <a:avLst/>
@@ -1754,8 +2737,8 @@
         </p:nvCxnSpPr>
         <p:spPr>
           <a:xfrm flipV="1">
-            <a:off x="457200" y="1388917"/>
-            <a:ext cx="8686800" cy="2"/>
+            <a:off x="609600" y="1388917"/>
+            <a:ext cx="11582400" cy="2"/>
           </a:xfrm>
           <a:prstGeom prst="line">
             <a:avLst/>
@@ -1860,8 +2843,8 @@
         </p:nvSpPr>
         <p:spPr>
           <a:xfrm>
-            <a:off x="457200" y="1535113"/>
-            <a:ext cx="4040188" cy="639762"/>
+            <a:off x="609600" y="1535113"/>
+            <a:ext cx="5386917" cy="639762"/>
           </a:xfrm>
         </p:spPr>
         <p:txBody>
@@ -1925,8 +2908,8 @@
         </p:nvSpPr>
         <p:spPr>
           <a:xfrm>
-            <a:off x="457200" y="2174875"/>
-            <a:ext cx="4040188" cy="3951288"/>
+            <a:off x="609600" y="2174875"/>
+            <a:ext cx="5386917" cy="3951288"/>
           </a:xfrm>
         </p:spPr>
         <p:txBody>
@@ -2010,8 +2993,8 @@
         </p:nvSpPr>
         <p:spPr>
           <a:xfrm>
-            <a:off x="4645025" y="1535113"/>
-            <a:ext cx="4041775" cy="639762"/>
+            <a:off x="6193368" y="1535113"/>
+            <a:ext cx="5389033" cy="639762"/>
           </a:xfrm>
         </p:spPr>
         <p:txBody>
@@ -2075,8 +3058,8 @@
         </p:nvSpPr>
         <p:spPr>
           <a:xfrm>
-            <a:off x="4645025" y="2174875"/>
-            <a:ext cx="4041775" cy="3951288"/>
+            <a:off x="6193368" y="2174875"/>
+            <a:ext cx="5389033" cy="3951288"/>
           </a:xfrm>
         </p:spPr>
         <p:txBody>
@@ -2160,8 +3143,8 @@
         </p:nvSpPr>
         <p:spPr>
           <a:xfrm>
-            <a:off x="3836609" y="6362700"/>
-            <a:ext cx="4850191" cy="365125"/>
+            <a:off x="5115480" y="6362701"/>
+            <a:ext cx="6466921" cy="365125"/>
           </a:xfrm>
           <a:prstGeom prst="rect">
             <a:avLst/>
@@ -2188,8 +3171,8 @@
         </p:nvCxnSpPr>
         <p:spPr>
           <a:xfrm flipV="1">
-            <a:off x="457200" y="1388917"/>
-            <a:ext cx="8686800" cy="2"/>
+            <a:off x="609600" y="1388917"/>
+            <a:ext cx="11582400" cy="2"/>
           </a:xfrm>
           <a:prstGeom prst="line">
             <a:avLst/>
@@ -2290,8 +3273,8 @@
         </p:nvSpPr>
         <p:spPr>
           <a:xfrm>
-            <a:off x="3836609" y="6362700"/>
-            <a:ext cx="4850191" cy="365125"/>
+            <a:off x="5115480" y="6362701"/>
+            <a:ext cx="6466921" cy="365125"/>
           </a:xfrm>
           <a:prstGeom prst="rect">
             <a:avLst/>
@@ -2318,8 +3301,8 @@
         </p:nvCxnSpPr>
         <p:spPr>
           <a:xfrm flipV="1">
-            <a:off x="457200" y="1388917"/>
-            <a:ext cx="8686800" cy="2"/>
+            <a:off x="609600" y="1388917"/>
+            <a:ext cx="11582400" cy="2"/>
           </a:xfrm>
           <a:prstGeom prst="line">
             <a:avLst/>
@@ -2397,8 +3380,8 @@
         </p:nvSpPr>
         <p:spPr>
           <a:xfrm>
-            <a:off x="3836609" y="6362700"/>
-            <a:ext cx="4850191" cy="365125"/>
+            <a:off x="5115480" y="6362701"/>
+            <a:ext cx="6466921" cy="365125"/>
           </a:xfrm>
           <a:prstGeom prst="rect">
             <a:avLst/>
@@ -2460,8 +3443,8 @@
         </p:nvSpPr>
         <p:spPr>
           <a:xfrm>
-            <a:off x="457200" y="273050"/>
-            <a:ext cx="3008313" cy="1162050"/>
+            <a:off x="609601" y="273050"/>
+            <a:ext cx="4011084" cy="1162050"/>
           </a:xfrm>
         </p:spPr>
         <p:txBody>
@@ -2492,8 +3475,8 @@
         </p:nvSpPr>
         <p:spPr>
           <a:xfrm>
-            <a:off x="3575050" y="273050"/>
-            <a:ext cx="5111750" cy="5853113"/>
+            <a:off x="4766733" y="273051"/>
+            <a:ext cx="6815667" cy="5853113"/>
           </a:xfrm>
         </p:spPr>
         <p:txBody>
@@ -2577,8 +3560,8 @@
         </p:nvSpPr>
         <p:spPr>
           <a:xfrm>
-            <a:off x="457200" y="1435100"/>
-            <a:ext cx="3008313" cy="4691063"/>
+            <a:off x="609601" y="1435101"/>
+            <a:ext cx="4011084" cy="4691063"/>
           </a:xfrm>
         </p:spPr>
         <p:txBody>
@@ -2642,8 +3625,8 @@
         </p:nvSpPr>
         <p:spPr>
           <a:xfrm>
-            <a:off x="3836609" y="6362700"/>
-            <a:ext cx="4850191" cy="365125"/>
+            <a:off x="5115480" y="6362701"/>
+            <a:ext cx="6466921" cy="365125"/>
           </a:xfrm>
           <a:prstGeom prst="rect">
             <a:avLst/>
@@ -2705,8 +3688,8 @@
         </p:nvSpPr>
         <p:spPr>
           <a:xfrm>
-            <a:off x="1792288" y="4800600"/>
-            <a:ext cx="5486400" cy="566738"/>
+            <a:off x="2389717" y="4800600"/>
+            <a:ext cx="7315200" cy="566738"/>
           </a:xfrm>
         </p:spPr>
         <p:txBody>
@@ -2737,8 +3720,8 @@
         </p:nvSpPr>
         <p:spPr>
           <a:xfrm>
-            <a:off x="1792288" y="612775"/>
-            <a:ext cx="5486400" cy="4114800"/>
+            <a:off x="2389717" y="612775"/>
+            <a:ext cx="7315200" cy="4114800"/>
           </a:xfrm>
         </p:spPr>
         <p:txBody>
@@ -2802,8 +3785,8 @@
         </p:nvSpPr>
         <p:spPr>
           <a:xfrm>
-            <a:off x="1792288" y="5367338"/>
-            <a:ext cx="5486400" cy="804862"/>
+            <a:off x="2389717" y="5367338"/>
+            <a:ext cx="7315200" cy="804862"/>
           </a:xfrm>
         </p:spPr>
         <p:txBody>
@@ -2867,8 +3850,8 @@
         </p:nvSpPr>
         <p:spPr>
           <a:xfrm>
-            <a:off x="3836609" y="6362700"/>
-            <a:ext cx="4850191" cy="365125"/>
+            <a:off x="5115480" y="6362701"/>
+            <a:ext cx="6466921" cy="365125"/>
           </a:xfrm>
           <a:prstGeom prst="rect">
             <a:avLst/>
@@ -2895,8 +3878,8 @@
         </p:nvCxnSpPr>
         <p:spPr>
           <a:xfrm flipV="1">
-            <a:off x="457200" y="4752218"/>
-            <a:ext cx="8686800" cy="2"/>
+            <a:off x="609600" y="4752218"/>
+            <a:ext cx="11582400" cy="2"/>
           </a:xfrm>
           <a:prstGeom prst="line">
             <a:avLst/>
@@ -2979,8 +3962,8 @@
         </p:nvSpPr>
         <p:spPr>
           <a:xfrm>
-            <a:off x="457200" y="274638"/>
-            <a:ext cx="8229600" cy="1143000"/>
+            <a:off x="609600" y="274638"/>
+            <a:ext cx="10972800" cy="1143000"/>
           </a:xfrm>
           <a:prstGeom prst="rect">
             <a:avLst/>
@@ -3012,8 +3995,8 @@
         </p:nvSpPr>
         <p:spPr>
           <a:xfrm>
-            <a:off x="457200" y="1600200"/>
-            <a:ext cx="8229600" cy="4525963"/>
+            <a:off x="609600" y="1600201"/>
+            <a:ext cx="10972800" cy="4525963"/>
           </a:xfrm>
           <a:prstGeom prst="rect">
             <a:avLst/>
@@ -3084,8 +4067,8 @@
         </p:blipFill>
         <p:spPr>
           <a:xfrm>
-            <a:off x="24190" y="5781975"/>
-            <a:ext cx="1689100" cy="1066800"/>
+            <a:off x="32254" y="5781975"/>
+            <a:ext cx="2252133" cy="1066800"/>
           </a:xfrm>
           <a:prstGeom prst="rect">
             <a:avLst/>
@@ -3114,8 +4097,8 @@
         </p:blipFill>
         <p:spPr>
           <a:xfrm>
-            <a:off x="24190" y="5781975"/>
-            <a:ext cx="1689100" cy="1066800"/>
+            <a:off x="32254" y="5781975"/>
+            <a:ext cx="2252133" cy="1066800"/>
           </a:xfrm>
           <a:prstGeom prst="rect">
             <a:avLst/>
@@ -3134,8 +4117,8 @@
         </p:nvSpPr>
         <p:spPr>
           <a:xfrm>
-            <a:off x="3836609" y="6362700"/>
-            <a:ext cx="4850191" cy="365125"/>
+            <a:off x="5115480" y="6362701"/>
+            <a:ext cx="6466921" cy="365125"/>
           </a:xfrm>
           <a:prstGeom prst="rect">
             <a:avLst/>
@@ -3479,7 +4462,7 @@
         </p:nvSpPr>
         <p:spPr>
           <a:xfrm>
-            <a:off x="1371600" y="3886200"/>
+            <a:off x="2895600" y="3886200"/>
             <a:ext cx="6400800" cy="1752600"/>
           </a:xfrm>
         </p:spPr>
@@ -3536,10 +4519,10 @@
       </p:grpSpPr>
       <p:sp>
         <p:nvSpPr>
-          <p:cNvPr id="5" name="Titolo 4">
+          <p:cNvPr id="2" name="Titolo 1">
             <a:extLst>
               <a:ext uri="{FF2B5EF4-FFF2-40B4-BE49-F238E27FC236}">
-                <a16:creationId xmlns:a16="http://schemas.microsoft.com/office/drawing/2014/main" id="{A806381E-B93C-4B07-A015-A49B015396B1}"/>
+                <a16:creationId xmlns:a16="http://schemas.microsoft.com/office/drawing/2014/main" id="{AE8A19D5-1B5E-40BC-B2B4-E2F30E4CB58C}"/>
               </a:ext>
             </a:extLst>
           </p:cNvPr>
@@ -3561,10 +4544,10 @@
       </p:sp>
       <p:sp>
         <p:nvSpPr>
-          <p:cNvPr id="6" name="Segnaposto contenuto 5">
+          <p:cNvPr id="3" name="Segnaposto contenuto 2">
             <a:extLst>
               <a:ext uri="{FF2B5EF4-FFF2-40B4-BE49-F238E27FC236}">
-                <a16:creationId xmlns:a16="http://schemas.microsoft.com/office/drawing/2014/main" id="{E42B8D96-BB5E-4336-AD99-8AA07E1FBF11}"/>
+                <a16:creationId xmlns:a16="http://schemas.microsoft.com/office/drawing/2014/main" id="{767E9E73-F0E8-4D25-B135-AFCC870A0E0B}"/>
               </a:ext>
             </a:extLst>
           </p:cNvPr>
@@ -3572,7 +4555,7 @@
             <a:spLocks noGrp="1"/>
           </p:cNvSpPr>
           <p:nvPr>
-            <p:ph sz="half" idx="1"/>
+            <p:ph idx="1"/>
           </p:nvPr>
         </p:nvSpPr>
         <p:spPr/>
@@ -3586,32 +4569,13 @@
       </p:sp>
       <p:sp>
         <p:nvSpPr>
-          <p:cNvPr id="7" name="Segnaposto contenuto 6">
+          <p:cNvPr id="4" name="Segnaposto numero diapositiva 3">
             <a:extLst>
               <a:ext uri="{FF2B5EF4-FFF2-40B4-BE49-F238E27FC236}">
-                <a16:creationId xmlns:a16="http://schemas.microsoft.com/office/drawing/2014/main" id="{A75B142B-0ADC-43EE-AF60-0D60D9A7E2C4}"/>
+                <a16:creationId xmlns:a16="http://schemas.microsoft.com/office/drawing/2014/main" id="{BA985ED7-1322-4DBC-98A4-08E98CE2D7C8}"/>
               </a:ext>
             </a:extLst>
           </p:cNvPr>
-          <p:cNvSpPr>
-            <a:spLocks noGrp="1"/>
-          </p:cNvSpPr>
-          <p:nvPr>
-            <p:ph sz="half" idx="2"/>
-          </p:nvPr>
-        </p:nvSpPr>
-        <p:spPr/>
-        <p:txBody>
-          <a:bodyPr/>
-          <a:lstStyle/>
-          <a:p>
-            <a:endParaRPr lang="it-IT"/>
-          </a:p>
-        </p:txBody>
-      </p:sp>
-      <p:sp>
-        <p:nvSpPr>
-          <p:cNvPr id="4" name="Slide Number Placeholder 3"/>
           <p:cNvSpPr>
             <a:spLocks noGrp="1"/>
           </p:cNvSpPr>
@@ -3636,7 +4600,7 @@
     </p:spTree>
     <p:extLst>
       <p:ext uri="{BB962C8B-B14F-4D97-AF65-F5344CB8AC3E}">
-        <p14:creationId xmlns:p14="http://schemas.microsoft.com/office/powerpoint/2010/main" val="273194312"/>
+        <p14:creationId xmlns:p14="http://schemas.microsoft.com/office/powerpoint/2010/main" val="1424892336"/>
       </p:ext>
     </p:extLst>
   </p:cSld>
